--- a/fig/図.pptx
+++ b/fig/図.pptx
@@ -255,7 +255,7 @@
           <a:p>
             <a:fld id="{7B6649E2-0304-B34B-99E9-B31F233479C4}" type="datetimeFigureOut">
               <a:rPr kumimoji="1" lang="ja-JP" altLang="en-US" smtClean="0"/>
-              <a:t>2024/8/28</a:t>
+              <a:t>2024/10/1</a:t>
             </a:fld>
             <a:endParaRPr kumimoji="1" lang="ja-JP" altLang="en-US"/>
           </a:p>
@@ -457,7 +457,7 @@
           <a:p>
             <a:fld id="{7B6649E2-0304-B34B-99E9-B31F233479C4}" type="datetimeFigureOut">
               <a:rPr kumimoji="1" lang="ja-JP" altLang="en-US" smtClean="0"/>
-              <a:t>2024/8/28</a:t>
+              <a:t>2024/10/1</a:t>
             </a:fld>
             <a:endParaRPr kumimoji="1" lang="ja-JP" altLang="en-US"/>
           </a:p>
@@ -669,7 +669,7 @@
           <a:p>
             <a:fld id="{7B6649E2-0304-B34B-99E9-B31F233479C4}" type="datetimeFigureOut">
               <a:rPr kumimoji="1" lang="ja-JP" altLang="en-US" smtClean="0"/>
-              <a:t>2024/8/28</a:t>
+              <a:t>2024/10/1</a:t>
             </a:fld>
             <a:endParaRPr kumimoji="1" lang="ja-JP" altLang="en-US"/>
           </a:p>
@@ -871,7 +871,7 @@
           <a:p>
             <a:fld id="{7B6649E2-0304-B34B-99E9-B31F233479C4}" type="datetimeFigureOut">
               <a:rPr kumimoji="1" lang="ja-JP" altLang="en-US" smtClean="0"/>
-              <a:t>2024/8/28</a:t>
+              <a:t>2024/10/1</a:t>
             </a:fld>
             <a:endParaRPr kumimoji="1" lang="ja-JP" altLang="en-US"/>
           </a:p>
@@ -1117,7 +1117,7 @@
           <a:p>
             <a:fld id="{7B6649E2-0304-B34B-99E9-B31F233479C4}" type="datetimeFigureOut">
               <a:rPr kumimoji="1" lang="ja-JP" altLang="en-US" smtClean="0"/>
-              <a:t>2024/8/28</a:t>
+              <a:t>2024/10/1</a:t>
             </a:fld>
             <a:endParaRPr kumimoji="1" lang="ja-JP" altLang="en-US"/>
           </a:p>
@@ -1413,7 +1413,7 @@
           <a:p>
             <a:fld id="{7B6649E2-0304-B34B-99E9-B31F233479C4}" type="datetimeFigureOut">
               <a:rPr kumimoji="1" lang="ja-JP" altLang="en-US" smtClean="0"/>
-              <a:t>2024/8/28</a:t>
+              <a:t>2024/10/1</a:t>
             </a:fld>
             <a:endParaRPr kumimoji="1" lang="ja-JP" altLang="en-US"/>
           </a:p>
@@ -1844,7 +1844,7 @@
           <a:p>
             <a:fld id="{7B6649E2-0304-B34B-99E9-B31F233479C4}" type="datetimeFigureOut">
               <a:rPr kumimoji="1" lang="ja-JP" altLang="en-US" smtClean="0"/>
-              <a:t>2024/8/28</a:t>
+              <a:t>2024/10/1</a:t>
             </a:fld>
             <a:endParaRPr kumimoji="1" lang="ja-JP" altLang="en-US"/>
           </a:p>
@@ -1962,7 +1962,7 @@
           <a:p>
             <a:fld id="{7B6649E2-0304-B34B-99E9-B31F233479C4}" type="datetimeFigureOut">
               <a:rPr kumimoji="1" lang="ja-JP" altLang="en-US" smtClean="0"/>
-              <a:t>2024/8/28</a:t>
+              <a:t>2024/10/1</a:t>
             </a:fld>
             <a:endParaRPr kumimoji="1" lang="ja-JP" altLang="en-US"/>
           </a:p>
@@ -2057,7 +2057,7 @@
           <a:p>
             <a:fld id="{7B6649E2-0304-B34B-99E9-B31F233479C4}" type="datetimeFigureOut">
               <a:rPr kumimoji="1" lang="ja-JP" altLang="en-US" smtClean="0"/>
-              <a:t>2024/8/28</a:t>
+              <a:t>2024/10/1</a:t>
             </a:fld>
             <a:endParaRPr kumimoji="1" lang="ja-JP" altLang="en-US"/>
           </a:p>
@@ -2366,7 +2366,7 @@
           <a:p>
             <a:fld id="{7B6649E2-0304-B34B-99E9-B31F233479C4}" type="datetimeFigureOut">
               <a:rPr kumimoji="1" lang="ja-JP" altLang="en-US" smtClean="0"/>
-              <a:t>2024/8/28</a:t>
+              <a:t>2024/10/1</a:t>
             </a:fld>
             <a:endParaRPr kumimoji="1" lang="ja-JP" altLang="en-US"/>
           </a:p>
@@ -2623,7 +2623,7 @@
           <a:p>
             <a:fld id="{7B6649E2-0304-B34B-99E9-B31F233479C4}" type="datetimeFigureOut">
               <a:rPr kumimoji="1" lang="ja-JP" altLang="en-US" smtClean="0"/>
-              <a:t>2024/8/28</a:t>
+              <a:t>2024/10/1</a:t>
             </a:fld>
             <a:endParaRPr kumimoji="1" lang="ja-JP" altLang="en-US"/>
           </a:p>
@@ -2868,7 +2868,7 @@
           <a:p>
             <a:fld id="{7B6649E2-0304-B34B-99E9-B31F233479C4}" type="datetimeFigureOut">
               <a:rPr kumimoji="1" lang="ja-JP" altLang="en-US" smtClean="0"/>
-              <a:t>2024/8/28</a:t>
+              <a:t>2024/10/1</a:t>
             </a:fld>
             <a:endParaRPr kumimoji="1" lang="ja-JP" altLang="en-US"/>
           </a:p>
@@ -11041,6 +11041,3630 @@
           </a:fontRef>
         </p:style>
       </p:cxnSp>
+      <p:sp>
+        <p:nvSpPr>
+          <p:cNvPr id="12" name="角丸四角形 11">
+            <a:extLst>
+              <a:ext uri="{FF2B5EF4-FFF2-40B4-BE49-F238E27FC236}">
+                <a16:creationId xmlns:a16="http://schemas.microsoft.com/office/drawing/2014/main" id="{E3A0E384-5749-FB83-7BB4-50314C71E768}"/>
+              </a:ext>
+            </a:extLst>
+          </p:cNvPr>
+          <p:cNvSpPr/>
+          <p:nvPr/>
+        </p:nvSpPr>
+        <p:spPr>
+          <a:xfrm>
+            <a:off x="13828781" y="2403408"/>
+            <a:ext cx="5766954" cy="2303890"/>
+          </a:xfrm>
+          <a:prstGeom prst="roundRect">
+            <a:avLst>
+              <a:gd name="adj" fmla="val 5298"/>
+            </a:avLst>
+          </a:prstGeom>
+          <a:noFill/>
+          <a:ln w="38100">
+            <a:solidFill>
+              <a:schemeClr val="tx1"/>
+            </a:solidFill>
+            <a:prstDash val="dash"/>
+          </a:ln>
+        </p:spPr>
+        <p:style>
+          <a:lnRef idx="2">
+            <a:schemeClr val="accent1">
+              <a:shade val="15000"/>
+            </a:schemeClr>
+          </a:lnRef>
+          <a:fillRef idx="1">
+            <a:schemeClr val="accent1"/>
+          </a:fillRef>
+          <a:effectRef idx="0">
+            <a:schemeClr val="accent1"/>
+          </a:effectRef>
+          <a:fontRef idx="minor">
+            <a:schemeClr val="lt1"/>
+          </a:fontRef>
+        </p:style>
+        <p:txBody>
+          <a:bodyPr rtlCol="0" anchor="ctr"/>
+          <a:lstStyle/>
+          <a:p>
+            <a:pPr algn="ctr"/>
+            <a:endParaRPr kumimoji="1" lang="ja-JP" altLang="en-US">
+              <a:latin typeface="Meiryo" panose="020B0604030504040204" pitchFamily="34" charset="-128"/>
+              <a:ea typeface="Meiryo" panose="020B0604030504040204" pitchFamily="34" charset="-128"/>
+            </a:endParaRPr>
+          </a:p>
+        </p:txBody>
+      </p:sp>
+      <p:sp>
+        <p:nvSpPr>
+          <p:cNvPr id="13" name="角丸四角形 12">
+            <a:extLst>
+              <a:ext uri="{FF2B5EF4-FFF2-40B4-BE49-F238E27FC236}">
+                <a16:creationId xmlns:a16="http://schemas.microsoft.com/office/drawing/2014/main" id="{D1740F00-2432-C015-59F5-A9E8EC192F09}"/>
+              </a:ext>
+            </a:extLst>
+          </p:cNvPr>
+          <p:cNvSpPr/>
+          <p:nvPr/>
+        </p:nvSpPr>
+        <p:spPr>
+          <a:xfrm>
+            <a:off x="13885319" y="5250988"/>
+            <a:ext cx="5766954" cy="2303890"/>
+          </a:xfrm>
+          <a:prstGeom prst="roundRect">
+            <a:avLst>
+              <a:gd name="adj" fmla="val 5298"/>
+            </a:avLst>
+          </a:prstGeom>
+          <a:noFill/>
+          <a:ln w="38100">
+            <a:solidFill>
+              <a:schemeClr val="tx1"/>
+            </a:solidFill>
+            <a:prstDash val="dash"/>
+          </a:ln>
+        </p:spPr>
+        <p:style>
+          <a:lnRef idx="2">
+            <a:schemeClr val="accent1">
+              <a:shade val="15000"/>
+            </a:schemeClr>
+          </a:lnRef>
+          <a:fillRef idx="1">
+            <a:schemeClr val="accent1"/>
+          </a:fillRef>
+          <a:effectRef idx="0">
+            <a:schemeClr val="accent1"/>
+          </a:effectRef>
+          <a:fontRef idx="minor">
+            <a:schemeClr val="lt1"/>
+          </a:fontRef>
+        </p:style>
+        <p:txBody>
+          <a:bodyPr rtlCol="0" anchor="ctr"/>
+          <a:lstStyle/>
+          <a:p>
+            <a:pPr algn="ctr"/>
+            <a:endParaRPr kumimoji="1" lang="ja-JP" altLang="en-US">
+              <a:latin typeface="Meiryo" panose="020B0604030504040204" pitchFamily="34" charset="-128"/>
+              <a:ea typeface="Meiryo" panose="020B0604030504040204" pitchFamily="34" charset="-128"/>
+            </a:endParaRPr>
+          </a:p>
+        </p:txBody>
+      </p:sp>
+      <p:sp>
+        <p:nvSpPr>
+          <p:cNvPr id="15" name="角丸四角形 14">
+            <a:extLst>
+              <a:ext uri="{FF2B5EF4-FFF2-40B4-BE49-F238E27FC236}">
+                <a16:creationId xmlns:a16="http://schemas.microsoft.com/office/drawing/2014/main" id="{DB0498CD-5CBA-A804-EF78-13D47769AB5D}"/>
+              </a:ext>
+            </a:extLst>
+          </p:cNvPr>
+          <p:cNvSpPr/>
+          <p:nvPr/>
+        </p:nvSpPr>
+        <p:spPr>
+          <a:xfrm>
+            <a:off x="9776130" y="1517923"/>
+            <a:ext cx="10939741" cy="6881830"/>
+          </a:xfrm>
+          <a:prstGeom prst="roundRect">
+            <a:avLst/>
+          </a:prstGeom>
+          <a:noFill/>
+          <a:ln w="38100">
+            <a:solidFill>
+              <a:srgbClr val="316CE5"/>
+            </a:solidFill>
+            <a:prstDash val="dash"/>
+          </a:ln>
+        </p:spPr>
+        <p:style>
+          <a:lnRef idx="2">
+            <a:schemeClr val="accent1">
+              <a:shade val="15000"/>
+            </a:schemeClr>
+          </a:lnRef>
+          <a:fillRef idx="1">
+            <a:schemeClr val="accent1"/>
+          </a:fillRef>
+          <a:effectRef idx="0">
+            <a:schemeClr val="accent1"/>
+          </a:effectRef>
+          <a:fontRef idx="minor">
+            <a:schemeClr val="lt1"/>
+          </a:fontRef>
+        </p:style>
+        <p:txBody>
+          <a:bodyPr rtlCol="0" anchor="ctr"/>
+          <a:lstStyle/>
+          <a:p>
+            <a:pPr algn="ctr"/>
+            <a:endParaRPr kumimoji="1" lang="ja-JP" altLang="en-US">
+              <a:latin typeface="Meiryo" panose="020B0604030504040204" pitchFamily="34" charset="-128"/>
+              <a:ea typeface="Meiryo" panose="020B0604030504040204" pitchFamily="34" charset="-128"/>
+            </a:endParaRPr>
+          </a:p>
+        </p:txBody>
+      </p:sp>
+      <p:pic>
+        <p:nvPicPr>
+          <p:cNvPr id="16" name="Picture 2">
+            <a:extLst>
+              <a:ext uri="{FF2B5EF4-FFF2-40B4-BE49-F238E27FC236}">
+                <a16:creationId xmlns:a16="http://schemas.microsoft.com/office/drawing/2014/main" id="{72BEF36B-7D15-14C7-777A-174AD29956BB}"/>
+              </a:ext>
+            </a:extLst>
+          </p:cNvPr>
+          <p:cNvPicPr>
+            <a:picLocks noChangeAspect="1" noChangeArrowheads="1"/>
+          </p:cNvPicPr>
+          <p:nvPr/>
+        </p:nvPicPr>
+        <p:blipFill>
+          <a:blip r:embed="rId5">
+            <a:extLst>
+              <a:ext uri="{28A0092B-C50C-407E-A947-70E740481C1C}">
+                <a14:useLocalDpi xmlns:a14="http://schemas.microsoft.com/office/drawing/2010/main" val="0"/>
+              </a:ext>
+            </a:extLst>
+          </a:blip>
+          <a:srcRect/>
+          <a:stretch>
+            <a:fillRect/>
+          </a:stretch>
+        </p:blipFill>
+        <p:spPr bwMode="auto">
+          <a:xfrm>
+            <a:off x="14317606" y="2848966"/>
+            <a:ext cx="1207024" cy="1207024"/>
+          </a:xfrm>
+          <a:prstGeom prst="rect">
+            <a:avLst/>
+          </a:prstGeom>
+          <a:noFill/>
+          <a:extLst>
+            <a:ext uri="{909E8E84-426E-40DD-AFC4-6F175D3DCCD1}">
+              <a14:hiddenFill xmlns:a14="http://schemas.microsoft.com/office/drawing/2010/main">
+                <a:solidFill>
+                  <a:srgbClr val="FFFFFF"/>
+                </a:solidFill>
+              </a14:hiddenFill>
+            </a:ext>
+          </a:extLst>
+        </p:spPr>
+      </p:pic>
+      <p:pic>
+        <p:nvPicPr>
+          <p:cNvPr id="18" name="Picture 6">
+            <a:extLst>
+              <a:ext uri="{FF2B5EF4-FFF2-40B4-BE49-F238E27FC236}">
+                <a16:creationId xmlns:a16="http://schemas.microsoft.com/office/drawing/2014/main" id="{F9690BA7-1BC8-0804-1196-598DE6E84365}"/>
+              </a:ext>
+            </a:extLst>
+          </p:cNvPr>
+          <p:cNvPicPr>
+            <a:picLocks noChangeAspect="1" noChangeArrowheads="1"/>
+          </p:cNvPicPr>
+          <p:nvPr/>
+        </p:nvPicPr>
+        <p:blipFill>
+          <a:blip r:embed="rId6">
+            <a:extLst>
+              <a:ext uri="{28A0092B-C50C-407E-A947-70E740481C1C}">
+                <a14:useLocalDpi xmlns:a14="http://schemas.microsoft.com/office/drawing/2010/main" val="0"/>
+              </a:ext>
+            </a:extLst>
+          </a:blip>
+          <a:srcRect/>
+          <a:stretch>
+            <a:fillRect/>
+          </a:stretch>
+        </p:blipFill>
+        <p:spPr bwMode="auto">
+          <a:xfrm>
+            <a:off x="986922" y="2411736"/>
+            <a:ext cx="1625600" cy="1625600"/>
+          </a:xfrm>
+          <a:prstGeom prst="rect">
+            <a:avLst/>
+          </a:prstGeom>
+          <a:noFill/>
+          <a:extLst>
+            <a:ext uri="{909E8E84-426E-40DD-AFC4-6F175D3DCCD1}">
+              <a14:hiddenFill xmlns:a14="http://schemas.microsoft.com/office/drawing/2010/main">
+                <a:solidFill>
+                  <a:srgbClr val="FFFFFF"/>
+                </a:solidFill>
+              </a14:hiddenFill>
+            </a:ext>
+          </a:extLst>
+        </p:spPr>
+      </p:pic>
+      <p:pic>
+        <p:nvPicPr>
+          <p:cNvPr id="22" name="Picture 10">
+            <a:extLst>
+              <a:ext uri="{FF2B5EF4-FFF2-40B4-BE49-F238E27FC236}">
+                <a16:creationId xmlns:a16="http://schemas.microsoft.com/office/drawing/2014/main" id="{F7FCF0DC-B716-2515-8A81-6D6C08D47F1A}"/>
+              </a:ext>
+            </a:extLst>
+          </p:cNvPr>
+          <p:cNvPicPr>
+            <a:picLocks noChangeAspect="1" noChangeArrowheads="1"/>
+          </p:cNvPicPr>
+          <p:nvPr/>
+        </p:nvPicPr>
+        <p:blipFill>
+          <a:blip r:embed="rId7">
+            <a:extLst>
+              <a:ext uri="{28A0092B-C50C-407E-A947-70E740481C1C}">
+                <a14:useLocalDpi xmlns:a14="http://schemas.microsoft.com/office/drawing/2010/main" val="0"/>
+              </a:ext>
+            </a:extLst>
+          </a:blip>
+          <a:srcRect/>
+          <a:stretch>
+            <a:fillRect/>
+          </a:stretch>
+        </p:blipFill>
+        <p:spPr bwMode="auto">
+          <a:xfrm>
+            <a:off x="13931218" y="4369493"/>
+            <a:ext cx="1051654" cy="1051654"/>
+          </a:xfrm>
+          <a:prstGeom prst="rect">
+            <a:avLst/>
+          </a:prstGeom>
+          <a:noFill/>
+          <a:extLst>
+            <a:ext uri="{909E8E84-426E-40DD-AFC4-6F175D3DCCD1}">
+              <a14:hiddenFill xmlns:a14="http://schemas.microsoft.com/office/drawing/2010/main">
+                <a:solidFill>
+                  <a:srgbClr val="FFFFFF"/>
+                </a:solidFill>
+              </a14:hiddenFill>
+            </a:ext>
+          </a:extLst>
+        </p:spPr>
+      </p:pic>
+      <p:pic>
+        <p:nvPicPr>
+          <p:cNvPr id="23" name="Picture 12" descr="kubernetes&quot; Icon - Download for free – Iconduck">
+            <a:extLst>
+              <a:ext uri="{FF2B5EF4-FFF2-40B4-BE49-F238E27FC236}">
+                <a16:creationId xmlns:a16="http://schemas.microsoft.com/office/drawing/2014/main" id="{79385422-C404-5ACB-A019-9134EFF4A10B}"/>
+              </a:ext>
+            </a:extLst>
+          </p:cNvPr>
+          <p:cNvPicPr>
+            <a:picLocks noChangeAspect="1" noChangeArrowheads="1"/>
+          </p:cNvPicPr>
+          <p:nvPr/>
+        </p:nvPicPr>
+        <p:blipFill>
+          <a:blip r:embed="rId8">
+            <a:extLst>
+              <a:ext uri="{28A0092B-C50C-407E-A947-70E740481C1C}">
+                <a14:useLocalDpi xmlns:a14="http://schemas.microsoft.com/office/drawing/2010/main" val="0"/>
+              </a:ext>
+            </a:extLst>
+          </a:blip>
+          <a:srcRect/>
+          <a:stretch>
+            <a:fillRect/>
+          </a:stretch>
+        </p:blipFill>
+        <p:spPr bwMode="auto">
+          <a:xfrm>
+            <a:off x="9307643" y="992153"/>
+            <a:ext cx="1570696" cy="1530000"/>
+          </a:xfrm>
+          <a:prstGeom prst="rect">
+            <a:avLst/>
+          </a:prstGeom>
+          <a:noFill/>
+          <a:extLst>
+            <a:ext uri="{909E8E84-426E-40DD-AFC4-6F175D3DCCD1}">
+              <a14:hiddenFill xmlns:a14="http://schemas.microsoft.com/office/drawing/2010/main">
+                <a:solidFill>
+                  <a:srgbClr val="FFFFFF"/>
+                </a:solidFill>
+              </a14:hiddenFill>
+            </a:ext>
+          </a:extLst>
+        </p:spPr>
+      </p:pic>
+      <p:pic>
+        <p:nvPicPr>
+          <p:cNvPr id="24" name="図 23" descr="グラフ, アイコン, バブル チャート&#10;&#10;自動的に生成された説明">
+            <a:extLst>
+              <a:ext uri="{FF2B5EF4-FFF2-40B4-BE49-F238E27FC236}">
+                <a16:creationId xmlns:a16="http://schemas.microsoft.com/office/drawing/2014/main" id="{CEAE4626-5906-C38A-8601-7B65C33EA9E5}"/>
+              </a:ext>
+            </a:extLst>
+          </p:cNvPr>
+          <p:cNvPicPr>
+            <a:picLocks noChangeAspect="1"/>
+          </p:cNvPicPr>
+          <p:nvPr/>
+        </p:nvPicPr>
+        <p:blipFill>
+          <a:blip r:embed="rId9"/>
+          <a:stretch>
+            <a:fillRect/>
+          </a:stretch>
+        </p:blipFill>
+        <p:spPr>
+          <a:xfrm>
+            <a:off x="16475508" y="4535426"/>
+            <a:ext cx="859260" cy="859260"/>
+          </a:xfrm>
+          <a:prstGeom prst="rect">
+            <a:avLst/>
+          </a:prstGeom>
+        </p:spPr>
+      </p:pic>
+      <p:sp>
+        <p:nvSpPr>
+          <p:cNvPr id="26" name="角丸四角形 25">
+            <a:extLst>
+              <a:ext uri="{FF2B5EF4-FFF2-40B4-BE49-F238E27FC236}">
+                <a16:creationId xmlns:a16="http://schemas.microsoft.com/office/drawing/2014/main" id="{EA242DB7-6604-D6D8-2FEA-510DAAEC93F1}"/>
+              </a:ext>
+            </a:extLst>
+          </p:cNvPr>
+          <p:cNvSpPr/>
+          <p:nvPr/>
+        </p:nvSpPr>
+        <p:spPr>
+          <a:xfrm>
+            <a:off x="6399711" y="2472515"/>
+            <a:ext cx="1204845" cy="1979393"/>
+          </a:xfrm>
+          <a:prstGeom prst="roundRect">
+            <a:avLst/>
+          </a:prstGeom>
+          <a:solidFill>
+            <a:schemeClr val="accent2">
+              <a:lumMod val="40000"/>
+              <a:lumOff val="60000"/>
+            </a:schemeClr>
+          </a:solidFill>
+        </p:spPr>
+        <p:style>
+          <a:lnRef idx="2">
+            <a:schemeClr val="accent1">
+              <a:shade val="15000"/>
+            </a:schemeClr>
+          </a:lnRef>
+          <a:fillRef idx="1">
+            <a:schemeClr val="accent1"/>
+          </a:fillRef>
+          <a:effectRef idx="0">
+            <a:schemeClr val="accent1"/>
+          </a:effectRef>
+          <a:fontRef idx="minor">
+            <a:schemeClr val="lt1"/>
+          </a:fontRef>
+        </p:style>
+        <p:txBody>
+          <a:bodyPr rtlCol="0" anchor="ctr"/>
+          <a:lstStyle/>
+          <a:p>
+            <a:pPr algn="ctr"/>
+            <a:r>
+              <a:rPr kumimoji="1" lang="en-US" altLang="ja-JP" sz="2000" dirty="0">
+                <a:solidFill>
+                  <a:schemeClr val="tx1"/>
+                </a:solidFill>
+                <a:latin typeface="Meiryo" panose="020B0604030504040204" pitchFamily="34" charset="-128"/>
+                <a:ea typeface="Meiryo" panose="020B0604030504040204" pitchFamily="34" charset="-128"/>
+                <a:cs typeface="JetBrains Mono" panose="02000009000000000000" pitchFamily="49" charset="0"/>
+              </a:rPr>
+              <a:t>SSH</a:t>
+            </a:r>
+            <a:br>
+              <a:rPr kumimoji="1" lang="en-US" altLang="ja-JP" sz="2000" dirty="0">
+                <a:solidFill>
+                  <a:schemeClr val="tx1"/>
+                </a:solidFill>
+                <a:latin typeface="Meiryo" panose="020B0604030504040204" pitchFamily="34" charset="-128"/>
+                <a:ea typeface="Meiryo" panose="020B0604030504040204" pitchFamily="34" charset="-128"/>
+                <a:cs typeface="JetBrains Mono" panose="02000009000000000000" pitchFamily="49" charset="0"/>
+              </a:rPr>
+            </a:br>
+            <a:r>
+              <a:rPr kumimoji="1" lang="en-US" altLang="ja-JP" sz="2000" dirty="0">
+                <a:solidFill>
+                  <a:schemeClr val="tx1"/>
+                </a:solidFill>
+                <a:latin typeface="Meiryo" panose="020B0604030504040204" pitchFamily="34" charset="-128"/>
+                <a:ea typeface="Meiryo" panose="020B0604030504040204" pitchFamily="34" charset="-128"/>
+                <a:cs typeface="JetBrains Mono" panose="02000009000000000000" pitchFamily="49" charset="0"/>
+              </a:rPr>
+              <a:t>Proxy</a:t>
+            </a:r>
+            <a:endParaRPr kumimoji="1" lang="ja-JP" altLang="en-US" sz="2000">
+              <a:solidFill>
+                <a:schemeClr val="tx1"/>
+              </a:solidFill>
+              <a:latin typeface="Meiryo" panose="020B0604030504040204" pitchFamily="34" charset="-128"/>
+              <a:ea typeface="Meiryo" panose="020B0604030504040204" pitchFamily="34" charset="-128"/>
+              <a:cs typeface="JetBrains Mono" panose="02000009000000000000" pitchFamily="49" charset="0"/>
+            </a:endParaRPr>
+          </a:p>
+        </p:txBody>
+      </p:sp>
+      <p:pic>
+        <p:nvPicPr>
+          <p:cNvPr id="28" name="Picture 6">
+            <a:extLst>
+              <a:ext uri="{FF2B5EF4-FFF2-40B4-BE49-F238E27FC236}">
+                <a16:creationId xmlns:a16="http://schemas.microsoft.com/office/drawing/2014/main" id="{E676F25C-5EC0-316C-85D5-6697DE946E06}"/>
+              </a:ext>
+            </a:extLst>
+          </p:cNvPr>
+          <p:cNvPicPr>
+            <a:picLocks noChangeAspect="1" noChangeArrowheads="1"/>
+          </p:cNvPicPr>
+          <p:nvPr/>
+        </p:nvPicPr>
+        <p:blipFill>
+          <a:blip r:embed="rId6">
+            <a:extLst>
+              <a:ext uri="{28A0092B-C50C-407E-A947-70E740481C1C}">
+                <a14:useLocalDpi xmlns:a14="http://schemas.microsoft.com/office/drawing/2010/main" val="0"/>
+              </a:ext>
+            </a:extLst>
+          </a:blip>
+          <a:srcRect/>
+          <a:stretch>
+            <a:fillRect/>
+          </a:stretch>
+        </p:blipFill>
+        <p:spPr bwMode="auto">
+          <a:xfrm>
+            <a:off x="1028113" y="5440528"/>
+            <a:ext cx="1625600" cy="1625600"/>
+          </a:xfrm>
+          <a:prstGeom prst="rect">
+            <a:avLst/>
+          </a:prstGeom>
+          <a:noFill/>
+          <a:extLst>
+            <a:ext uri="{909E8E84-426E-40DD-AFC4-6F175D3DCCD1}">
+              <a14:hiddenFill xmlns:a14="http://schemas.microsoft.com/office/drawing/2010/main">
+                <a:solidFill>
+                  <a:srgbClr val="FFFFFF"/>
+                </a:solidFill>
+              </a14:hiddenFill>
+            </a:ext>
+          </a:extLst>
+        </p:spPr>
+      </p:pic>
+      <p:cxnSp>
+        <p:nvCxnSpPr>
+          <p:cNvPr id="29" name="直線矢印コネクタ 28">
+            <a:extLst>
+              <a:ext uri="{FF2B5EF4-FFF2-40B4-BE49-F238E27FC236}">
+                <a16:creationId xmlns:a16="http://schemas.microsoft.com/office/drawing/2014/main" id="{B44C35C1-B643-D5F8-2B13-251D82D1CAE6}"/>
+              </a:ext>
+            </a:extLst>
+          </p:cNvPr>
+          <p:cNvCxnSpPr>
+            <a:cxnSpLocks/>
+          </p:cNvCxnSpPr>
+          <p:nvPr/>
+        </p:nvCxnSpPr>
+        <p:spPr>
+          <a:xfrm>
+            <a:off x="2788362" y="3462212"/>
+            <a:ext cx="3508862" cy="0"/>
+          </a:xfrm>
+          <a:prstGeom prst="straightConnector1">
+            <a:avLst/>
+          </a:prstGeom>
+          <a:ln w="38100">
+            <a:solidFill>
+              <a:schemeClr val="accent2"/>
+            </a:solidFill>
+            <a:tailEnd type="triangle"/>
+          </a:ln>
+        </p:spPr>
+        <p:style>
+          <a:lnRef idx="2">
+            <a:schemeClr val="accent1"/>
+          </a:lnRef>
+          <a:fillRef idx="0">
+            <a:schemeClr val="accent1"/>
+          </a:fillRef>
+          <a:effectRef idx="1">
+            <a:schemeClr val="accent1"/>
+          </a:effectRef>
+          <a:fontRef idx="minor">
+            <a:schemeClr val="tx1"/>
+          </a:fontRef>
+        </p:style>
+      </p:cxnSp>
+      <p:sp>
+        <p:nvSpPr>
+          <p:cNvPr id="32" name="テキスト ボックス 31">
+            <a:extLst>
+              <a:ext uri="{FF2B5EF4-FFF2-40B4-BE49-F238E27FC236}">
+                <a16:creationId xmlns:a16="http://schemas.microsoft.com/office/drawing/2014/main" id="{310BC9DB-0B5C-F50B-E0D8-EFF02085ADAB}"/>
+              </a:ext>
+            </a:extLst>
+          </p:cNvPr>
+          <p:cNvSpPr txBox="1"/>
+          <p:nvPr/>
+        </p:nvSpPr>
+        <p:spPr>
+          <a:xfrm>
+            <a:off x="2633649" y="2872907"/>
+            <a:ext cx="3599740" cy="369332"/>
+          </a:xfrm>
+          <a:prstGeom prst="rect">
+            <a:avLst/>
+          </a:prstGeom>
+          <a:noFill/>
+        </p:spPr>
+        <p:txBody>
+          <a:bodyPr wrap="square" rtlCol="0">
+            <a:spAutoFit/>
+          </a:bodyPr>
+          <a:lstStyle/>
+          <a:p>
+            <a:r>
+              <a:rPr kumimoji="1" lang="en-US" altLang="ja-JP" dirty="0" err="1">
+                <a:latin typeface="Meiryo" panose="020B0604030504040204" pitchFamily="34" charset="-128"/>
+                <a:ea typeface="Meiryo" panose="020B0604030504040204" pitchFamily="34" charset="-128"/>
+                <a:cs typeface="JetBrains Mono" panose="02000009000000000000" pitchFamily="49" charset="0"/>
+              </a:rPr>
+              <a:t>ssh</a:t>
+            </a:r>
+            <a:r>
+              <a:rPr kumimoji="1" lang="en-US" altLang="ja-JP" dirty="0">
+                <a:latin typeface="Meiryo" panose="020B0604030504040204" pitchFamily="34" charset="-128"/>
+                <a:ea typeface="Meiryo" panose="020B0604030504040204" pitchFamily="34" charset="-128"/>
+                <a:cs typeface="JetBrains Mono" panose="02000009000000000000" pitchFamily="49" charset="0"/>
+              </a:rPr>
+              <a:t> user1@web-ex.k8s.dev</a:t>
+            </a:r>
+            <a:endParaRPr kumimoji="1" lang="ja-JP" altLang="en-US">
+              <a:latin typeface="Meiryo" panose="020B0604030504040204" pitchFamily="34" charset="-128"/>
+              <a:ea typeface="Meiryo" panose="020B0604030504040204" pitchFamily="34" charset="-128"/>
+              <a:cs typeface="JetBrains Mono" panose="02000009000000000000" pitchFamily="49" charset="0"/>
+            </a:endParaRPr>
+          </a:p>
+        </p:txBody>
+      </p:sp>
+      <p:cxnSp>
+        <p:nvCxnSpPr>
+          <p:cNvPr id="34" name="直線矢印コネクタ 33">
+            <a:extLst>
+              <a:ext uri="{FF2B5EF4-FFF2-40B4-BE49-F238E27FC236}">
+                <a16:creationId xmlns:a16="http://schemas.microsoft.com/office/drawing/2014/main" id="{103EC671-1D83-1E91-EAA0-343D308D0B85}"/>
+              </a:ext>
+            </a:extLst>
+          </p:cNvPr>
+          <p:cNvCxnSpPr>
+            <a:cxnSpLocks/>
+          </p:cNvCxnSpPr>
+          <p:nvPr/>
+        </p:nvCxnSpPr>
+        <p:spPr>
+          <a:xfrm>
+            <a:off x="2788362" y="6406681"/>
+            <a:ext cx="3476700" cy="0"/>
+          </a:xfrm>
+          <a:prstGeom prst="straightConnector1">
+            <a:avLst/>
+          </a:prstGeom>
+          <a:ln w="38100">
+            <a:solidFill>
+              <a:schemeClr val="accent3">
+                <a:lumMod val="60000"/>
+                <a:lumOff val="40000"/>
+              </a:schemeClr>
+            </a:solidFill>
+            <a:tailEnd type="triangle"/>
+          </a:ln>
+        </p:spPr>
+        <p:style>
+          <a:lnRef idx="2">
+            <a:schemeClr val="accent1"/>
+          </a:lnRef>
+          <a:fillRef idx="0">
+            <a:schemeClr val="accent1"/>
+          </a:fillRef>
+          <a:effectRef idx="1">
+            <a:schemeClr val="accent1"/>
+          </a:effectRef>
+          <a:fontRef idx="minor">
+            <a:schemeClr val="tx1"/>
+          </a:fontRef>
+        </p:style>
+      </p:cxnSp>
+      <p:sp>
+        <p:nvSpPr>
+          <p:cNvPr id="35" name="テキスト ボックス 34">
+            <a:extLst>
+              <a:ext uri="{FF2B5EF4-FFF2-40B4-BE49-F238E27FC236}">
+                <a16:creationId xmlns:a16="http://schemas.microsoft.com/office/drawing/2014/main" id="{E0C31448-5AC1-DEF5-0473-07FF9FE85E31}"/>
+              </a:ext>
+            </a:extLst>
+          </p:cNvPr>
+          <p:cNvSpPr txBox="1"/>
+          <p:nvPr/>
+        </p:nvSpPr>
+        <p:spPr>
+          <a:xfrm>
+            <a:off x="2633649" y="5906010"/>
+            <a:ext cx="3794080" cy="369332"/>
+          </a:xfrm>
+          <a:prstGeom prst="rect">
+            <a:avLst/>
+          </a:prstGeom>
+          <a:noFill/>
+        </p:spPr>
+        <p:txBody>
+          <a:bodyPr wrap="square" rtlCol="0">
+            <a:spAutoFit/>
+          </a:bodyPr>
+          <a:lstStyle/>
+          <a:p>
+            <a:r>
+              <a:rPr kumimoji="1" lang="en-US" altLang="ja-JP" dirty="0">
+                <a:latin typeface="Meiryo" panose="020B0604030504040204" pitchFamily="34" charset="-128"/>
+                <a:ea typeface="Meiryo" panose="020B0604030504040204" pitchFamily="34" charset="-128"/>
+                <a:cs typeface="JetBrains Mono" panose="02000009000000000000" pitchFamily="49" charset="0"/>
+              </a:rPr>
+              <a:t>user2@hpc-ex.k8s.dev</a:t>
+            </a:r>
+            <a:endParaRPr kumimoji="1" lang="ja-JP" altLang="en-US">
+              <a:latin typeface="Meiryo" panose="020B0604030504040204" pitchFamily="34" charset="-128"/>
+              <a:ea typeface="Meiryo" panose="020B0604030504040204" pitchFamily="34" charset="-128"/>
+              <a:cs typeface="JetBrains Mono" panose="02000009000000000000" pitchFamily="49" charset="0"/>
+            </a:endParaRPr>
+          </a:p>
+        </p:txBody>
+      </p:sp>
+      <p:sp>
+        <p:nvSpPr>
+          <p:cNvPr id="36" name="角丸四角形 35">
+            <a:extLst>
+              <a:ext uri="{FF2B5EF4-FFF2-40B4-BE49-F238E27FC236}">
+                <a16:creationId xmlns:a16="http://schemas.microsoft.com/office/drawing/2014/main" id="{A9285B65-6122-E26D-3C90-9DE316CA00BC}"/>
+              </a:ext>
+            </a:extLst>
+          </p:cNvPr>
+          <p:cNvSpPr/>
+          <p:nvPr/>
+        </p:nvSpPr>
+        <p:spPr>
+          <a:xfrm>
+            <a:off x="6399711" y="5112589"/>
+            <a:ext cx="1204845" cy="1932307"/>
+          </a:xfrm>
+          <a:prstGeom prst="roundRect">
+            <a:avLst/>
+          </a:prstGeom>
+          <a:solidFill>
+            <a:schemeClr val="accent3">
+              <a:lumMod val="40000"/>
+              <a:lumOff val="60000"/>
+            </a:schemeClr>
+          </a:solidFill>
+        </p:spPr>
+        <p:style>
+          <a:lnRef idx="2">
+            <a:schemeClr val="accent1">
+              <a:shade val="15000"/>
+            </a:schemeClr>
+          </a:lnRef>
+          <a:fillRef idx="1">
+            <a:schemeClr val="accent1"/>
+          </a:fillRef>
+          <a:effectRef idx="0">
+            <a:schemeClr val="accent1"/>
+          </a:effectRef>
+          <a:fontRef idx="minor">
+            <a:schemeClr val="lt1"/>
+          </a:fontRef>
+        </p:style>
+        <p:txBody>
+          <a:bodyPr rtlCol="0" anchor="ctr"/>
+          <a:lstStyle/>
+          <a:p>
+            <a:pPr algn="ctr"/>
+            <a:r>
+              <a:rPr kumimoji="1" lang="en-US" altLang="ja-JP" sz="2000" dirty="0">
+                <a:solidFill>
+                  <a:schemeClr val="tx1"/>
+                </a:solidFill>
+                <a:latin typeface="Meiryo" panose="020B0604030504040204" pitchFamily="34" charset="-128"/>
+                <a:ea typeface="Meiryo" panose="020B0604030504040204" pitchFamily="34" charset="-128"/>
+                <a:cs typeface="JetBrains Mono" panose="02000009000000000000" pitchFamily="49" charset="0"/>
+              </a:rPr>
+              <a:t>RDP</a:t>
+            </a:r>
+            <a:br>
+              <a:rPr kumimoji="1" lang="en-US" altLang="ja-JP" sz="2000" dirty="0">
+                <a:solidFill>
+                  <a:schemeClr val="tx1"/>
+                </a:solidFill>
+                <a:latin typeface="Meiryo" panose="020B0604030504040204" pitchFamily="34" charset="-128"/>
+                <a:ea typeface="Meiryo" panose="020B0604030504040204" pitchFamily="34" charset="-128"/>
+                <a:cs typeface="JetBrains Mono" panose="02000009000000000000" pitchFamily="49" charset="0"/>
+              </a:rPr>
+            </a:br>
+            <a:r>
+              <a:rPr kumimoji="1" lang="en-US" altLang="ja-JP" sz="2000" dirty="0">
+                <a:solidFill>
+                  <a:schemeClr val="tx1"/>
+                </a:solidFill>
+                <a:latin typeface="Meiryo" panose="020B0604030504040204" pitchFamily="34" charset="-128"/>
+                <a:ea typeface="Meiryo" panose="020B0604030504040204" pitchFamily="34" charset="-128"/>
+                <a:cs typeface="JetBrains Mono" panose="02000009000000000000" pitchFamily="49" charset="0"/>
+              </a:rPr>
+              <a:t>Proxy</a:t>
+            </a:r>
+            <a:endParaRPr kumimoji="1" lang="ja-JP" altLang="en-US" sz="2000">
+              <a:solidFill>
+                <a:schemeClr val="tx1"/>
+              </a:solidFill>
+              <a:latin typeface="Meiryo" panose="020B0604030504040204" pitchFamily="34" charset="-128"/>
+              <a:ea typeface="Meiryo" panose="020B0604030504040204" pitchFamily="34" charset="-128"/>
+              <a:cs typeface="JetBrains Mono" panose="02000009000000000000" pitchFamily="49" charset="0"/>
+            </a:endParaRPr>
+          </a:p>
+        </p:txBody>
+      </p:sp>
+      <p:sp>
+        <p:nvSpPr>
+          <p:cNvPr id="37" name="テキスト ボックス 36">
+            <a:extLst>
+              <a:ext uri="{FF2B5EF4-FFF2-40B4-BE49-F238E27FC236}">
+                <a16:creationId xmlns:a16="http://schemas.microsoft.com/office/drawing/2014/main" id="{016C79C8-18C9-5423-9DDB-A54939A1ABAC}"/>
+              </a:ext>
+            </a:extLst>
+          </p:cNvPr>
+          <p:cNvSpPr txBox="1"/>
+          <p:nvPr/>
+        </p:nvSpPr>
+        <p:spPr>
+          <a:xfrm>
+            <a:off x="1197299" y="4135316"/>
+            <a:ext cx="1204845" cy="400110"/>
+          </a:xfrm>
+          <a:prstGeom prst="rect">
+            <a:avLst/>
+          </a:prstGeom>
+          <a:noFill/>
+        </p:spPr>
+        <p:txBody>
+          <a:bodyPr wrap="square" rtlCol="0">
+            <a:spAutoFit/>
+          </a:bodyPr>
+          <a:lstStyle/>
+          <a:p>
+            <a:pPr algn="ctr"/>
+            <a:r>
+              <a:rPr kumimoji="1" lang="en-US" altLang="ja-JP" sz="2000" dirty="0">
+                <a:latin typeface="Meiryo" panose="020B0604030504040204" pitchFamily="34" charset="-128"/>
+                <a:ea typeface="Meiryo" panose="020B0604030504040204" pitchFamily="34" charset="-128"/>
+                <a:cs typeface="JetBrains Mono" panose="02000009000000000000" pitchFamily="49" charset="0"/>
+              </a:rPr>
+              <a:t>user1</a:t>
+            </a:r>
+            <a:endParaRPr kumimoji="1" lang="ja-JP" altLang="en-US" sz="2000">
+              <a:latin typeface="Meiryo" panose="020B0604030504040204" pitchFamily="34" charset="-128"/>
+              <a:ea typeface="Meiryo" panose="020B0604030504040204" pitchFamily="34" charset="-128"/>
+              <a:cs typeface="JetBrains Mono" panose="02000009000000000000" pitchFamily="49" charset="0"/>
+            </a:endParaRPr>
+          </a:p>
+        </p:txBody>
+      </p:sp>
+      <p:sp>
+        <p:nvSpPr>
+          <p:cNvPr id="38" name="テキスト ボックス 37">
+            <a:extLst>
+              <a:ext uri="{FF2B5EF4-FFF2-40B4-BE49-F238E27FC236}">
+                <a16:creationId xmlns:a16="http://schemas.microsoft.com/office/drawing/2014/main" id="{B5F9937E-2C8C-AB9A-83D3-9F01D8C9662F}"/>
+              </a:ext>
+            </a:extLst>
+          </p:cNvPr>
+          <p:cNvSpPr txBox="1"/>
+          <p:nvPr/>
+        </p:nvSpPr>
+        <p:spPr>
+          <a:xfrm>
+            <a:off x="1238490" y="7172780"/>
+            <a:ext cx="1204845" cy="400110"/>
+          </a:xfrm>
+          <a:prstGeom prst="rect">
+            <a:avLst/>
+          </a:prstGeom>
+          <a:noFill/>
+        </p:spPr>
+        <p:txBody>
+          <a:bodyPr wrap="square" rtlCol="0">
+            <a:spAutoFit/>
+          </a:bodyPr>
+          <a:lstStyle/>
+          <a:p>
+            <a:pPr algn="ctr"/>
+            <a:r>
+              <a:rPr kumimoji="1" lang="en-US" altLang="ja-JP" sz="2000" dirty="0">
+                <a:latin typeface="Meiryo" panose="020B0604030504040204" pitchFamily="34" charset="-128"/>
+                <a:ea typeface="Meiryo" panose="020B0604030504040204" pitchFamily="34" charset="-128"/>
+                <a:cs typeface="JetBrains Mono" panose="02000009000000000000" pitchFamily="49" charset="0"/>
+              </a:rPr>
+              <a:t>user2</a:t>
+            </a:r>
+            <a:endParaRPr kumimoji="1" lang="ja-JP" altLang="en-US" sz="2000">
+              <a:latin typeface="Meiryo" panose="020B0604030504040204" pitchFamily="34" charset="-128"/>
+              <a:ea typeface="Meiryo" panose="020B0604030504040204" pitchFamily="34" charset="-128"/>
+              <a:cs typeface="JetBrains Mono" panose="02000009000000000000" pitchFamily="49" charset="0"/>
+            </a:endParaRPr>
+          </a:p>
+        </p:txBody>
+      </p:sp>
+      <p:sp>
+        <p:nvSpPr>
+          <p:cNvPr id="39" name="角丸四角形 38">
+            <a:extLst>
+              <a:ext uri="{FF2B5EF4-FFF2-40B4-BE49-F238E27FC236}">
+                <a16:creationId xmlns:a16="http://schemas.microsoft.com/office/drawing/2014/main" id="{3AAA8D91-07DC-C2F6-E59A-93A0C9785D9C}"/>
+              </a:ext>
+            </a:extLst>
+          </p:cNvPr>
+          <p:cNvSpPr/>
+          <p:nvPr/>
+        </p:nvSpPr>
+        <p:spPr>
+          <a:xfrm>
+            <a:off x="10302113" y="3709155"/>
+            <a:ext cx="2819354" cy="2303890"/>
+          </a:xfrm>
+          <a:prstGeom prst="roundRect">
+            <a:avLst/>
+          </a:prstGeom>
+          <a:solidFill>
+            <a:schemeClr val="accent4">
+              <a:lumMod val="40000"/>
+              <a:lumOff val="60000"/>
+            </a:schemeClr>
+          </a:solidFill>
+        </p:spPr>
+        <p:style>
+          <a:lnRef idx="2">
+            <a:schemeClr val="accent1">
+              <a:shade val="15000"/>
+            </a:schemeClr>
+          </a:lnRef>
+          <a:fillRef idx="1">
+            <a:schemeClr val="accent1"/>
+          </a:fillRef>
+          <a:effectRef idx="0">
+            <a:schemeClr val="accent1"/>
+          </a:effectRef>
+          <a:fontRef idx="minor">
+            <a:schemeClr val="lt1"/>
+          </a:fontRef>
+        </p:style>
+        <p:txBody>
+          <a:bodyPr rtlCol="0" anchor="ctr"/>
+          <a:lstStyle/>
+          <a:p>
+            <a:pPr algn="ctr"/>
+            <a:br>
+              <a:rPr kumimoji="1" lang="en-US" altLang="ja-JP" sz="2400" dirty="0">
+                <a:solidFill>
+                  <a:schemeClr val="tx1"/>
+                </a:solidFill>
+                <a:latin typeface="Meiryo" panose="020B0604030504040204" pitchFamily="34" charset="-128"/>
+                <a:ea typeface="Meiryo" panose="020B0604030504040204" pitchFamily="34" charset="-128"/>
+                <a:cs typeface="JetBrains Mono" panose="02000009000000000000" pitchFamily="49" charset="0"/>
+              </a:rPr>
+            </a:br>
+            <a:r>
+              <a:rPr kumimoji="1" lang="en-US" altLang="ja-JP" sz="2400" dirty="0">
+                <a:solidFill>
+                  <a:schemeClr val="tx1"/>
+                </a:solidFill>
+                <a:latin typeface="Meiryo" panose="020B0604030504040204" pitchFamily="34" charset="-128"/>
+                <a:ea typeface="Meiryo" panose="020B0604030504040204" pitchFamily="34" charset="-128"/>
+                <a:cs typeface="JetBrains Mono" panose="02000009000000000000" pitchFamily="49" charset="0"/>
+              </a:rPr>
+              <a:t>Controller</a:t>
+            </a:r>
+          </a:p>
+          <a:p>
+            <a:pPr algn="ctr"/>
+            <a:br>
+              <a:rPr kumimoji="1" lang="en-US" altLang="ja-JP" dirty="0">
+                <a:solidFill>
+                  <a:schemeClr val="tx1"/>
+                </a:solidFill>
+                <a:latin typeface="Meiryo" panose="020B0604030504040204" pitchFamily="34" charset="-128"/>
+                <a:ea typeface="Meiryo" panose="020B0604030504040204" pitchFamily="34" charset="-128"/>
+                <a:cs typeface="JetBrains Mono" panose="02000009000000000000" pitchFamily="49" charset="0"/>
+              </a:rPr>
+            </a:br>
+            <a:r>
+              <a:rPr kumimoji="1" lang="ja-JP" altLang="en-US">
+                <a:solidFill>
+                  <a:schemeClr val="tx1"/>
+                </a:solidFill>
+                <a:latin typeface="Meiryo" panose="020B0604030504040204" pitchFamily="34" charset="-128"/>
+                <a:ea typeface="Meiryo" panose="020B0604030504040204" pitchFamily="34" charset="-128"/>
+                <a:cs typeface="JetBrains Mono" panose="02000009000000000000" pitchFamily="49" charset="0"/>
+              </a:rPr>
+              <a:t>要求された環境の</a:t>
+            </a:r>
+            <a:br>
+              <a:rPr kumimoji="1" lang="en-US" altLang="ja-JP" dirty="0">
+                <a:solidFill>
+                  <a:schemeClr val="tx1"/>
+                </a:solidFill>
+                <a:latin typeface="Meiryo" panose="020B0604030504040204" pitchFamily="34" charset="-128"/>
+                <a:ea typeface="Meiryo" panose="020B0604030504040204" pitchFamily="34" charset="-128"/>
+                <a:cs typeface="JetBrains Mono" panose="02000009000000000000" pitchFamily="49" charset="0"/>
+              </a:rPr>
+            </a:br>
+            <a:r>
+              <a:rPr kumimoji="1" lang="en-US" altLang="ja-JP" dirty="0">
+                <a:solidFill>
+                  <a:schemeClr val="tx1"/>
+                </a:solidFill>
+                <a:latin typeface="Meiryo" panose="020B0604030504040204" pitchFamily="34" charset="-128"/>
+                <a:ea typeface="Meiryo" panose="020B0604030504040204" pitchFamily="34" charset="-128"/>
+                <a:cs typeface="JetBrains Mono" panose="02000009000000000000" pitchFamily="49" charset="0"/>
+              </a:rPr>
+              <a:t>Pod</a:t>
+            </a:r>
+            <a:r>
+              <a:rPr kumimoji="1" lang="ja-JP" altLang="en-US">
+                <a:solidFill>
+                  <a:schemeClr val="tx1"/>
+                </a:solidFill>
+                <a:latin typeface="Meiryo" panose="020B0604030504040204" pitchFamily="34" charset="-128"/>
+                <a:ea typeface="Meiryo" panose="020B0604030504040204" pitchFamily="34" charset="-128"/>
+                <a:cs typeface="JetBrains Mono" panose="02000009000000000000" pitchFamily="49" charset="0"/>
+              </a:rPr>
+              <a:t>を提供</a:t>
+            </a:r>
+            <a:br>
+              <a:rPr kumimoji="1" lang="en-US" altLang="ja-JP" dirty="0">
+                <a:solidFill>
+                  <a:schemeClr val="tx1"/>
+                </a:solidFill>
+                <a:latin typeface="Meiryo" panose="020B0604030504040204" pitchFamily="34" charset="-128"/>
+                <a:ea typeface="Meiryo" panose="020B0604030504040204" pitchFamily="34" charset="-128"/>
+                <a:cs typeface="JetBrains Mono" panose="02000009000000000000" pitchFamily="49" charset="0"/>
+              </a:rPr>
+            </a:br>
+            <a:r>
+              <a:rPr kumimoji="1" lang="en-US" altLang="ja-JP" dirty="0">
+                <a:solidFill>
+                  <a:schemeClr val="tx1"/>
+                </a:solidFill>
+                <a:latin typeface="Meiryo" panose="020B0604030504040204" pitchFamily="34" charset="-128"/>
+                <a:ea typeface="Meiryo" panose="020B0604030504040204" pitchFamily="34" charset="-128"/>
+                <a:cs typeface="JetBrains Mono" panose="02000009000000000000" pitchFamily="49" charset="0"/>
+              </a:rPr>
+              <a:t>Pod</a:t>
+            </a:r>
+            <a:r>
+              <a:rPr kumimoji="1" lang="ja-JP" altLang="en-US">
+                <a:solidFill>
+                  <a:schemeClr val="tx1"/>
+                </a:solidFill>
+                <a:latin typeface="Meiryo" panose="020B0604030504040204" pitchFamily="34" charset="-128"/>
+                <a:ea typeface="Meiryo" panose="020B0604030504040204" pitchFamily="34" charset="-128"/>
+                <a:cs typeface="JetBrains Mono" panose="02000009000000000000" pitchFamily="49" charset="0"/>
+              </a:rPr>
+              <a:t>が存在しない</a:t>
+            </a:r>
+            <a:br>
+              <a:rPr kumimoji="1" lang="en-US" altLang="ja-JP" dirty="0">
+                <a:solidFill>
+                  <a:schemeClr val="tx1"/>
+                </a:solidFill>
+                <a:latin typeface="Meiryo" panose="020B0604030504040204" pitchFamily="34" charset="-128"/>
+                <a:ea typeface="Meiryo" panose="020B0604030504040204" pitchFamily="34" charset="-128"/>
+                <a:cs typeface="JetBrains Mono" panose="02000009000000000000" pitchFamily="49" charset="0"/>
+              </a:rPr>
+            </a:br>
+            <a:r>
+              <a:rPr kumimoji="1" lang="ja-JP" altLang="en-US">
+                <a:solidFill>
+                  <a:schemeClr val="tx1"/>
+                </a:solidFill>
+                <a:latin typeface="Meiryo" panose="020B0604030504040204" pitchFamily="34" charset="-128"/>
+                <a:ea typeface="Meiryo" panose="020B0604030504040204" pitchFamily="34" charset="-128"/>
+                <a:cs typeface="JetBrains Mono" panose="02000009000000000000" pitchFamily="49" charset="0"/>
+              </a:rPr>
+              <a:t>場合は新規作成</a:t>
+            </a:r>
+            <a:br>
+              <a:rPr kumimoji="1" lang="en-US" altLang="ja-JP" sz="2400" dirty="0">
+                <a:solidFill>
+                  <a:schemeClr val="tx1"/>
+                </a:solidFill>
+                <a:latin typeface="Meiryo" panose="020B0604030504040204" pitchFamily="34" charset="-128"/>
+                <a:ea typeface="Meiryo" panose="020B0604030504040204" pitchFamily="34" charset="-128"/>
+                <a:cs typeface="JetBrains Mono" panose="02000009000000000000" pitchFamily="49" charset="0"/>
+              </a:rPr>
+            </a:br>
+            <a:endParaRPr kumimoji="1" lang="ja-JP" altLang="en-US" sz="2400">
+              <a:solidFill>
+                <a:schemeClr val="tx1"/>
+              </a:solidFill>
+              <a:latin typeface="Meiryo" panose="020B0604030504040204" pitchFamily="34" charset="-128"/>
+              <a:ea typeface="Meiryo" panose="020B0604030504040204" pitchFamily="34" charset="-128"/>
+              <a:cs typeface="JetBrains Mono" panose="02000009000000000000" pitchFamily="49" charset="0"/>
+            </a:endParaRPr>
+          </a:p>
+        </p:txBody>
+      </p:sp>
+      <p:cxnSp>
+        <p:nvCxnSpPr>
+          <p:cNvPr id="40" name="直線矢印コネクタ 39">
+            <a:extLst>
+              <a:ext uri="{FF2B5EF4-FFF2-40B4-BE49-F238E27FC236}">
+                <a16:creationId xmlns:a16="http://schemas.microsoft.com/office/drawing/2014/main" id="{85ECBDF8-AB16-2D8E-F52A-846D9C8D36B4}"/>
+              </a:ext>
+            </a:extLst>
+          </p:cNvPr>
+          <p:cNvCxnSpPr>
+            <a:cxnSpLocks/>
+          </p:cNvCxnSpPr>
+          <p:nvPr/>
+        </p:nvCxnSpPr>
+        <p:spPr>
+          <a:xfrm>
+            <a:off x="7607925" y="4132160"/>
+            <a:ext cx="2521111" cy="19063"/>
+          </a:xfrm>
+          <a:prstGeom prst="straightConnector1">
+            <a:avLst/>
+          </a:prstGeom>
+          <a:ln w="38100">
+            <a:solidFill>
+              <a:schemeClr val="tx1"/>
+            </a:solidFill>
+            <a:tailEnd type="triangle"/>
+          </a:ln>
+        </p:spPr>
+        <p:style>
+          <a:lnRef idx="2">
+            <a:schemeClr val="accent1"/>
+          </a:lnRef>
+          <a:fillRef idx="0">
+            <a:schemeClr val="accent1"/>
+          </a:fillRef>
+          <a:effectRef idx="1">
+            <a:schemeClr val="accent1"/>
+          </a:effectRef>
+          <a:fontRef idx="minor">
+            <a:schemeClr val="tx1"/>
+          </a:fontRef>
+        </p:style>
+      </p:cxnSp>
+      <p:cxnSp>
+        <p:nvCxnSpPr>
+          <p:cNvPr id="41" name="直線矢印コネクタ 40">
+            <a:extLst>
+              <a:ext uri="{FF2B5EF4-FFF2-40B4-BE49-F238E27FC236}">
+                <a16:creationId xmlns:a16="http://schemas.microsoft.com/office/drawing/2014/main" id="{57D0F684-F9C7-F15B-C9F9-3508D06149DE}"/>
+              </a:ext>
+            </a:extLst>
+          </p:cNvPr>
+          <p:cNvCxnSpPr>
+            <a:cxnSpLocks/>
+            <a:stCxn id="26" idx="3"/>
+          </p:cNvCxnSpPr>
+          <p:nvPr/>
+        </p:nvCxnSpPr>
+        <p:spPr>
+          <a:xfrm>
+            <a:off x="7604556" y="3462212"/>
+            <a:ext cx="6562082" cy="0"/>
+          </a:xfrm>
+          <a:prstGeom prst="straightConnector1">
+            <a:avLst/>
+          </a:prstGeom>
+          <a:ln w="38100">
+            <a:solidFill>
+              <a:schemeClr val="accent2"/>
+            </a:solidFill>
+            <a:tailEnd type="triangle"/>
+          </a:ln>
+        </p:spPr>
+        <p:style>
+          <a:lnRef idx="2">
+            <a:schemeClr val="accent1"/>
+          </a:lnRef>
+          <a:fillRef idx="0">
+            <a:schemeClr val="accent1"/>
+          </a:fillRef>
+          <a:effectRef idx="1">
+            <a:schemeClr val="accent1"/>
+          </a:effectRef>
+          <a:fontRef idx="minor">
+            <a:schemeClr val="tx1"/>
+          </a:fontRef>
+        </p:style>
+      </p:cxnSp>
+      <p:pic>
+        <p:nvPicPr>
+          <p:cNvPr id="42" name="図 41" descr="アイコン&#10;&#10;自動的に生成された説明">
+            <a:extLst>
+              <a:ext uri="{FF2B5EF4-FFF2-40B4-BE49-F238E27FC236}">
+                <a16:creationId xmlns:a16="http://schemas.microsoft.com/office/drawing/2014/main" id="{9AF83DBE-17E9-30E2-DC05-81211F68F182}"/>
+              </a:ext>
+            </a:extLst>
+          </p:cNvPr>
+          <p:cNvPicPr>
+            <a:picLocks noChangeAspect="1"/>
+          </p:cNvPicPr>
+          <p:nvPr/>
+        </p:nvPicPr>
+        <p:blipFill>
+          <a:blip r:embed="rId10">
+            <a:duotone>
+              <a:prstClr val="black"/>
+              <a:schemeClr val="accent1">
+                <a:tint val="45000"/>
+                <a:satMod val="400000"/>
+              </a:schemeClr>
+            </a:duotone>
+          </a:blip>
+          <a:stretch>
+            <a:fillRect/>
+          </a:stretch>
+        </p:blipFill>
+        <p:spPr>
+          <a:xfrm>
+            <a:off x="13968231" y="2102336"/>
+            <a:ext cx="867425" cy="867425"/>
+          </a:xfrm>
+          <a:prstGeom prst="rect">
+            <a:avLst/>
+          </a:prstGeom>
+        </p:spPr>
+      </p:pic>
+      <p:sp>
+        <p:nvSpPr>
+          <p:cNvPr id="43" name="テキスト ボックス 42">
+            <a:extLst>
+              <a:ext uri="{FF2B5EF4-FFF2-40B4-BE49-F238E27FC236}">
+                <a16:creationId xmlns:a16="http://schemas.microsoft.com/office/drawing/2014/main" id="{AB9BD52B-AA09-0324-175E-D999F7DC948D}"/>
+              </a:ext>
+            </a:extLst>
+          </p:cNvPr>
+          <p:cNvSpPr txBox="1"/>
+          <p:nvPr/>
+        </p:nvSpPr>
+        <p:spPr>
+          <a:xfrm>
+            <a:off x="13360940" y="1710454"/>
+            <a:ext cx="2209049" cy="369332"/>
+          </a:xfrm>
+          <a:prstGeom prst="rect">
+            <a:avLst/>
+          </a:prstGeom>
+          <a:noFill/>
+        </p:spPr>
+        <p:txBody>
+          <a:bodyPr wrap="square" rtlCol="0">
+            <a:spAutoFit/>
+          </a:bodyPr>
+          <a:lstStyle/>
+          <a:p>
+            <a:r>
+              <a:rPr kumimoji="1" lang="en-US" altLang="ja-JP" dirty="0" err="1">
+                <a:latin typeface="Meiryo" panose="020B0604030504040204" pitchFamily="34" charset="-128"/>
+                <a:ea typeface="Meiryo" panose="020B0604030504040204" pitchFamily="34" charset="-128"/>
+                <a:cs typeface="JetBrains Mono" panose="02000009000000000000" pitchFamily="49" charset="0"/>
+              </a:rPr>
+              <a:t>hpc</a:t>
+            </a:r>
+            <a:r>
+              <a:rPr kumimoji="1" lang="en-US" altLang="ja-JP" dirty="0">
+                <a:latin typeface="Meiryo" panose="020B0604030504040204" pitchFamily="34" charset="-128"/>
+                <a:ea typeface="Meiryo" panose="020B0604030504040204" pitchFamily="34" charset="-128"/>
+                <a:cs typeface="JetBrains Mono" panose="02000009000000000000" pitchFamily="49" charset="0"/>
+              </a:rPr>
+              <a:t>-ex</a:t>
+            </a:r>
+            <a:r>
+              <a:rPr kumimoji="1" lang="ja-JP" altLang="en-US">
+                <a:latin typeface="Meiryo" panose="020B0604030504040204" pitchFamily="34" charset="-128"/>
+                <a:ea typeface="Meiryo" panose="020B0604030504040204" pitchFamily="34" charset="-128"/>
+                <a:cs typeface="JetBrains Mono" panose="02000009000000000000" pitchFamily="49" charset="0"/>
+              </a:rPr>
+              <a:t>用イメージ</a:t>
+            </a:r>
+          </a:p>
+        </p:txBody>
+      </p:sp>
+      <p:pic>
+        <p:nvPicPr>
+          <p:cNvPr id="44" name="図 43" descr="アイコン&#10;&#10;自動的に生成された説明">
+            <a:extLst>
+              <a:ext uri="{FF2B5EF4-FFF2-40B4-BE49-F238E27FC236}">
+                <a16:creationId xmlns:a16="http://schemas.microsoft.com/office/drawing/2014/main" id="{39E82E34-8098-3D6E-79B8-5DBF7256B8DA}"/>
+              </a:ext>
+            </a:extLst>
+          </p:cNvPr>
+          <p:cNvPicPr>
+            <a:picLocks noChangeAspect="1"/>
+          </p:cNvPicPr>
+          <p:nvPr/>
+        </p:nvPicPr>
+        <p:blipFill>
+          <a:blip r:embed="rId10">
+            <a:duotone>
+              <a:prstClr val="black"/>
+              <a:schemeClr val="accent3">
+                <a:tint val="45000"/>
+                <a:satMod val="400000"/>
+              </a:schemeClr>
+            </a:duotone>
+          </a:blip>
+          <a:stretch>
+            <a:fillRect/>
+          </a:stretch>
+        </p:blipFill>
+        <p:spPr>
+          <a:xfrm>
+            <a:off x="14166638" y="7016490"/>
+            <a:ext cx="867425" cy="867425"/>
+          </a:xfrm>
+          <a:prstGeom prst="rect">
+            <a:avLst/>
+          </a:prstGeom>
+        </p:spPr>
+      </p:pic>
+      <p:sp>
+        <p:nvSpPr>
+          <p:cNvPr id="52" name="テキスト ボックス 51">
+            <a:extLst>
+              <a:ext uri="{FF2B5EF4-FFF2-40B4-BE49-F238E27FC236}">
+                <a16:creationId xmlns:a16="http://schemas.microsoft.com/office/drawing/2014/main" id="{B0E20011-103B-2F5B-35DC-1E96AE3B6EAC}"/>
+              </a:ext>
+            </a:extLst>
+          </p:cNvPr>
+          <p:cNvSpPr txBox="1"/>
+          <p:nvPr/>
+        </p:nvSpPr>
+        <p:spPr>
+          <a:xfrm>
+            <a:off x="13587021" y="7917022"/>
+            <a:ext cx="2209049" cy="369332"/>
+          </a:xfrm>
+          <a:prstGeom prst="rect">
+            <a:avLst/>
+          </a:prstGeom>
+          <a:noFill/>
+        </p:spPr>
+        <p:txBody>
+          <a:bodyPr wrap="square" rtlCol="0">
+            <a:spAutoFit/>
+          </a:bodyPr>
+          <a:lstStyle/>
+          <a:p>
+            <a:r>
+              <a:rPr kumimoji="1" lang="en-US" altLang="ja-JP" dirty="0">
+                <a:latin typeface="Meiryo" panose="020B0604030504040204" pitchFamily="34" charset="-128"/>
+                <a:ea typeface="Meiryo" panose="020B0604030504040204" pitchFamily="34" charset="-128"/>
+                <a:cs typeface="JetBrains Mono" panose="02000009000000000000" pitchFamily="49" charset="0"/>
+              </a:rPr>
+              <a:t>web-ex</a:t>
+            </a:r>
+            <a:r>
+              <a:rPr kumimoji="1" lang="ja-JP" altLang="en-US">
+                <a:latin typeface="Meiryo" panose="020B0604030504040204" pitchFamily="34" charset="-128"/>
+                <a:ea typeface="Meiryo" panose="020B0604030504040204" pitchFamily="34" charset="-128"/>
+                <a:cs typeface="JetBrains Mono" panose="02000009000000000000" pitchFamily="49" charset="0"/>
+              </a:rPr>
+              <a:t>用イメージ</a:t>
+            </a:r>
+          </a:p>
+        </p:txBody>
+      </p:sp>
+      <p:sp>
+        <p:nvSpPr>
+          <p:cNvPr id="55" name="テキスト ボックス 54">
+            <a:extLst>
+              <a:ext uri="{FF2B5EF4-FFF2-40B4-BE49-F238E27FC236}">
+                <a16:creationId xmlns:a16="http://schemas.microsoft.com/office/drawing/2014/main" id="{C887D9C3-F39A-9DA2-A002-E0F960C1A80C}"/>
+              </a:ext>
+            </a:extLst>
+          </p:cNvPr>
+          <p:cNvSpPr txBox="1"/>
+          <p:nvPr/>
+        </p:nvSpPr>
+        <p:spPr>
+          <a:xfrm>
+            <a:off x="8088041" y="3088091"/>
+            <a:ext cx="3794080" cy="369332"/>
+          </a:xfrm>
+          <a:prstGeom prst="rect">
+            <a:avLst/>
+          </a:prstGeom>
+          <a:noFill/>
+        </p:spPr>
+        <p:txBody>
+          <a:bodyPr wrap="square" rtlCol="0">
+            <a:spAutoFit/>
+          </a:bodyPr>
+          <a:lstStyle/>
+          <a:p>
+            <a:r>
+              <a:rPr kumimoji="1" lang="en-US" altLang="ja-JP" dirty="0">
+                <a:latin typeface="Meiryo" panose="020B0604030504040204" pitchFamily="34" charset="-128"/>
+                <a:ea typeface="Meiryo" panose="020B0604030504040204" pitchFamily="34" charset="-128"/>
+                <a:cs typeface="JetBrains Mono" panose="02000009000000000000" pitchFamily="49" charset="0"/>
+              </a:rPr>
+              <a:t>Forward SSH</a:t>
+            </a:r>
+            <a:endParaRPr kumimoji="1" lang="ja-JP" altLang="en-US">
+              <a:latin typeface="Meiryo" panose="020B0604030504040204" pitchFamily="34" charset="-128"/>
+              <a:ea typeface="Meiryo" panose="020B0604030504040204" pitchFamily="34" charset="-128"/>
+              <a:cs typeface="JetBrains Mono" panose="02000009000000000000" pitchFamily="49" charset="0"/>
+            </a:endParaRPr>
+          </a:p>
+        </p:txBody>
+      </p:sp>
+      <p:cxnSp>
+        <p:nvCxnSpPr>
+          <p:cNvPr id="56" name="直線矢印コネクタ 55">
+            <a:extLst>
+              <a:ext uri="{FF2B5EF4-FFF2-40B4-BE49-F238E27FC236}">
+                <a16:creationId xmlns:a16="http://schemas.microsoft.com/office/drawing/2014/main" id="{D80BB2F1-D2FE-404F-DEAD-9A44367BCF9D}"/>
+              </a:ext>
+            </a:extLst>
+          </p:cNvPr>
+          <p:cNvCxnSpPr>
+            <a:cxnSpLocks/>
+          </p:cNvCxnSpPr>
+          <p:nvPr/>
+        </p:nvCxnSpPr>
+        <p:spPr>
+          <a:xfrm>
+            <a:off x="7614388" y="6426543"/>
+            <a:ext cx="6670763" cy="0"/>
+          </a:xfrm>
+          <a:prstGeom prst="straightConnector1">
+            <a:avLst/>
+          </a:prstGeom>
+          <a:ln w="38100">
+            <a:solidFill>
+              <a:schemeClr val="accent3">
+                <a:lumMod val="60000"/>
+                <a:lumOff val="40000"/>
+              </a:schemeClr>
+            </a:solidFill>
+            <a:tailEnd type="triangle"/>
+          </a:ln>
+        </p:spPr>
+        <p:style>
+          <a:lnRef idx="2">
+            <a:schemeClr val="accent1"/>
+          </a:lnRef>
+          <a:fillRef idx="0">
+            <a:schemeClr val="accent1"/>
+          </a:fillRef>
+          <a:effectRef idx="1">
+            <a:schemeClr val="accent1"/>
+          </a:effectRef>
+          <a:fontRef idx="minor">
+            <a:schemeClr val="tx1"/>
+          </a:fontRef>
+        </p:style>
+      </p:cxnSp>
+      <p:sp>
+        <p:nvSpPr>
+          <p:cNvPr id="59" name="テキスト ボックス 58">
+            <a:extLst>
+              <a:ext uri="{FF2B5EF4-FFF2-40B4-BE49-F238E27FC236}">
+                <a16:creationId xmlns:a16="http://schemas.microsoft.com/office/drawing/2014/main" id="{6DD74F84-02F2-6205-168F-D5A7EAFC565C}"/>
+              </a:ext>
+            </a:extLst>
+          </p:cNvPr>
+          <p:cNvSpPr txBox="1"/>
+          <p:nvPr/>
+        </p:nvSpPr>
+        <p:spPr>
+          <a:xfrm>
+            <a:off x="7675170" y="6058457"/>
+            <a:ext cx="3794080" cy="369332"/>
+          </a:xfrm>
+          <a:prstGeom prst="rect">
+            <a:avLst/>
+          </a:prstGeom>
+          <a:noFill/>
+        </p:spPr>
+        <p:txBody>
+          <a:bodyPr wrap="square" rtlCol="0">
+            <a:spAutoFit/>
+          </a:bodyPr>
+          <a:lstStyle/>
+          <a:p>
+            <a:r>
+              <a:rPr kumimoji="1" lang="en-US" altLang="ja-JP" dirty="0">
+                <a:latin typeface="Meiryo" panose="020B0604030504040204" pitchFamily="34" charset="-128"/>
+                <a:ea typeface="Meiryo" panose="020B0604030504040204" pitchFamily="34" charset="-128"/>
+                <a:cs typeface="JetBrains Mono" panose="02000009000000000000" pitchFamily="49" charset="0"/>
+              </a:rPr>
+              <a:t>Forward RDP</a:t>
+            </a:r>
+            <a:endParaRPr kumimoji="1" lang="ja-JP" altLang="en-US">
+              <a:latin typeface="Meiryo" panose="020B0604030504040204" pitchFamily="34" charset="-128"/>
+              <a:ea typeface="Meiryo" panose="020B0604030504040204" pitchFamily="34" charset="-128"/>
+              <a:cs typeface="JetBrains Mono" panose="02000009000000000000" pitchFamily="49" charset="0"/>
+            </a:endParaRPr>
+          </a:p>
+        </p:txBody>
+      </p:sp>
+      <p:sp>
+        <p:nvSpPr>
+          <p:cNvPr id="60" name="テキスト ボックス 59">
+            <a:extLst>
+              <a:ext uri="{FF2B5EF4-FFF2-40B4-BE49-F238E27FC236}">
+                <a16:creationId xmlns:a16="http://schemas.microsoft.com/office/drawing/2014/main" id="{0453C2AA-3825-6CC8-7EF8-BE28F3E53DBB}"/>
+              </a:ext>
+            </a:extLst>
+          </p:cNvPr>
+          <p:cNvSpPr txBox="1"/>
+          <p:nvPr/>
+        </p:nvSpPr>
+        <p:spPr>
+          <a:xfrm>
+            <a:off x="7647769" y="3789851"/>
+            <a:ext cx="2244338" cy="369332"/>
+          </a:xfrm>
+          <a:prstGeom prst="rect">
+            <a:avLst/>
+          </a:prstGeom>
+          <a:noFill/>
+        </p:spPr>
+        <p:txBody>
+          <a:bodyPr wrap="square" rtlCol="0">
+            <a:spAutoFit/>
+          </a:bodyPr>
+          <a:lstStyle/>
+          <a:p>
+            <a:r>
+              <a:rPr kumimoji="1" lang="en-US" altLang="ja-JP" dirty="0">
+                <a:latin typeface="Meiryo" panose="020B0604030504040204" pitchFamily="34" charset="-128"/>
+                <a:ea typeface="Meiryo" panose="020B0604030504040204" pitchFamily="34" charset="-128"/>
+                <a:cs typeface="JetBrains Mono" panose="02000009000000000000" pitchFamily="49" charset="0"/>
+              </a:rPr>
+              <a:t>web-ex</a:t>
+            </a:r>
+            <a:r>
+              <a:rPr kumimoji="1" lang="ja-JP" altLang="en-US">
+                <a:latin typeface="Meiryo" panose="020B0604030504040204" pitchFamily="34" charset="-128"/>
+                <a:ea typeface="Meiryo" panose="020B0604030504040204" pitchFamily="34" charset="-128"/>
+                <a:cs typeface="JetBrains Mono" panose="02000009000000000000" pitchFamily="49" charset="0"/>
+              </a:rPr>
+              <a:t>環境を要求</a:t>
+            </a:r>
+          </a:p>
+        </p:txBody>
+      </p:sp>
+      <p:cxnSp>
+        <p:nvCxnSpPr>
+          <p:cNvPr id="61" name="直線矢印コネクタ 60">
+            <a:extLst>
+              <a:ext uri="{FF2B5EF4-FFF2-40B4-BE49-F238E27FC236}">
+                <a16:creationId xmlns:a16="http://schemas.microsoft.com/office/drawing/2014/main" id="{2F9BA074-E80B-60ED-632C-2EF15D3CF266}"/>
+              </a:ext>
+            </a:extLst>
+          </p:cNvPr>
+          <p:cNvCxnSpPr>
+            <a:cxnSpLocks/>
+          </p:cNvCxnSpPr>
+          <p:nvPr/>
+        </p:nvCxnSpPr>
+        <p:spPr>
+          <a:xfrm flipH="1">
+            <a:off x="7656808" y="4276236"/>
+            <a:ext cx="2645305" cy="0"/>
+          </a:xfrm>
+          <a:prstGeom prst="straightConnector1">
+            <a:avLst/>
+          </a:prstGeom>
+          <a:ln w="38100">
+            <a:solidFill>
+              <a:schemeClr val="tx1"/>
+            </a:solidFill>
+            <a:tailEnd type="triangle"/>
+          </a:ln>
+        </p:spPr>
+        <p:style>
+          <a:lnRef idx="2">
+            <a:schemeClr val="accent1"/>
+          </a:lnRef>
+          <a:fillRef idx="0">
+            <a:schemeClr val="accent1"/>
+          </a:fillRef>
+          <a:effectRef idx="1">
+            <a:schemeClr val="accent1"/>
+          </a:effectRef>
+          <a:fontRef idx="minor">
+            <a:schemeClr val="tx1"/>
+          </a:fontRef>
+        </p:style>
+      </p:cxnSp>
+      <p:sp>
+        <p:nvSpPr>
+          <p:cNvPr id="62" name="テキスト ボックス 61">
+            <a:extLst>
+              <a:ext uri="{FF2B5EF4-FFF2-40B4-BE49-F238E27FC236}">
+                <a16:creationId xmlns:a16="http://schemas.microsoft.com/office/drawing/2014/main" id="{92E630D2-D83E-FE84-8BDC-9A945C3060EE}"/>
+              </a:ext>
+            </a:extLst>
+          </p:cNvPr>
+          <p:cNvSpPr txBox="1"/>
+          <p:nvPr/>
+        </p:nvSpPr>
+        <p:spPr>
+          <a:xfrm>
+            <a:off x="7817478" y="4342357"/>
+            <a:ext cx="1876767" cy="369332"/>
+          </a:xfrm>
+          <a:prstGeom prst="rect">
+            <a:avLst/>
+          </a:prstGeom>
+          <a:noFill/>
+        </p:spPr>
+        <p:txBody>
+          <a:bodyPr wrap="square" rtlCol="0">
+            <a:spAutoFit/>
+          </a:bodyPr>
+          <a:lstStyle/>
+          <a:p>
+            <a:r>
+              <a:rPr kumimoji="1" lang="ja-JP" altLang="en-US">
+                <a:latin typeface="Meiryo" panose="020B0604030504040204" pitchFamily="34" charset="-128"/>
+                <a:ea typeface="Meiryo" panose="020B0604030504040204" pitchFamily="34" charset="-128"/>
+                <a:cs typeface="JetBrains Mono" panose="02000009000000000000" pitchFamily="49" charset="0"/>
+              </a:rPr>
+              <a:t>接続先を提供</a:t>
+            </a:r>
+          </a:p>
+        </p:txBody>
+      </p:sp>
+      <p:cxnSp>
+        <p:nvCxnSpPr>
+          <p:cNvPr id="63" name="直線矢印コネクタ 62">
+            <a:extLst>
+              <a:ext uri="{FF2B5EF4-FFF2-40B4-BE49-F238E27FC236}">
+                <a16:creationId xmlns:a16="http://schemas.microsoft.com/office/drawing/2014/main" id="{BD488576-907E-666D-E559-18D8B98245DD}"/>
+              </a:ext>
+            </a:extLst>
+          </p:cNvPr>
+          <p:cNvCxnSpPr>
+            <a:cxnSpLocks/>
+          </p:cNvCxnSpPr>
+          <p:nvPr/>
+        </p:nvCxnSpPr>
+        <p:spPr>
+          <a:xfrm>
+            <a:off x="7604556" y="5415008"/>
+            <a:ext cx="2528842" cy="0"/>
+          </a:xfrm>
+          <a:prstGeom prst="straightConnector1">
+            <a:avLst/>
+          </a:prstGeom>
+          <a:ln w="38100">
+            <a:solidFill>
+              <a:schemeClr val="tx1"/>
+            </a:solidFill>
+            <a:tailEnd type="triangle"/>
+          </a:ln>
+        </p:spPr>
+        <p:style>
+          <a:lnRef idx="2">
+            <a:schemeClr val="accent1"/>
+          </a:lnRef>
+          <a:fillRef idx="0">
+            <a:schemeClr val="accent1"/>
+          </a:fillRef>
+          <a:effectRef idx="1">
+            <a:schemeClr val="accent1"/>
+          </a:effectRef>
+          <a:fontRef idx="minor">
+            <a:schemeClr val="tx1"/>
+          </a:fontRef>
+        </p:style>
+      </p:cxnSp>
+      <p:sp>
+        <p:nvSpPr>
+          <p:cNvPr id="64" name="テキスト ボックス 63">
+            <a:extLst>
+              <a:ext uri="{FF2B5EF4-FFF2-40B4-BE49-F238E27FC236}">
+                <a16:creationId xmlns:a16="http://schemas.microsoft.com/office/drawing/2014/main" id="{FAE6D25F-6179-269F-383F-492C9193F59D}"/>
+              </a:ext>
+            </a:extLst>
+          </p:cNvPr>
+          <p:cNvSpPr txBox="1"/>
+          <p:nvPr/>
+        </p:nvSpPr>
+        <p:spPr>
+          <a:xfrm>
+            <a:off x="7638824" y="5075123"/>
+            <a:ext cx="2173652" cy="369332"/>
+          </a:xfrm>
+          <a:prstGeom prst="rect">
+            <a:avLst/>
+          </a:prstGeom>
+          <a:noFill/>
+        </p:spPr>
+        <p:txBody>
+          <a:bodyPr wrap="square" rtlCol="0">
+            <a:spAutoFit/>
+          </a:bodyPr>
+          <a:lstStyle/>
+          <a:p>
+            <a:r>
+              <a:rPr kumimoji="1" lang="en-US" altLang="ja-JP" dirty="0" err="1">
+                <a:latin typeface="Meiryo" panose="020B0604030504040204" pitchFamily="34" charset="-128"/>
+                <a:ea typeface="Meiryo" panose="020B0604030504040204" pitchFamily="34" charset="-128"/>
+                <a:cs typeface="JetBrains Mono" panose="02000009000000000000" pitchFamily="49" charset="0"/>
+              </a:rPr>
+              <a:t>hpc</a:t>
+            </a:r>
+            <a:r>
+              <a:rPr kumimoji="1" lang="en-US" altLang="ja-JP" dirty="0">
+                <a:latin typeface="Meiryo" panose="020B0604030504040204" pitchFamily="34" charset="-128"/>
+                <a:ea typeface="Meiryo" panose="020B0604030504040204" pitchFamily="34" charset="-128"/>
+                <a:cs typeface="JetBrains Mono" panose="02000009000000000000" pitchFamily="49" charset="0"/>
+              </a:rPr>
+              <a:t>-ex</a:t>
+            </a:r>
+            <a:r>
+              <a:rPr kumimoji="1" lang="ja-JP" altLang="en-US">
+                <a:latin typeface="Meiryo" panose="020B0604030504040204" pitchFamily="34" charset="-128"/>
+                <a:ea typeface="Meiryo" panose="020B0604030504040204" pitchFamily="34" charset="-128"/>
+                <a:cs typeface="JetBrains Mono" panose="02000009000000000000" pitchFamily="49" charset="0"/>
+              </a:rPr>
+              <a:t>環境を要求</a:t>
+            </a:r>
+          </a:p>
+        </p:txBody>
+      </p:sp>
+      <p:cxnSp>
+        <p:nvCxnSpPr>
+          <p:cNvPr id="65" name="直線矢印コネクタ 64">
+            <a:extLst>
+              <a:ext uri="{FF2B5EF4-FFF2-40B4-BE49-F238E27FC236}">
+                <a16:creationId xmlns:a16="http://schemas.microsoft.com/office/drawing/2014/main" id="{F67ED31F-5960-F4F3-619D-BDB2E048FBDF}"/>
+              </a:ext>
+            </a:extLst>
+          </p:cNvPr>
+          <p:cNvCxnSpPr>
+            <a:cxnSpLocks/>
+          </p:cNvCxnSpPr>
+          <p:nvPr/>
+        </p:nvCxnSpPr>
+        <p:spPr>
+          <a:xfrm flipH="1">
+            <a:off x="7604556" y="5549346"/>
+            <a:ext cx="2697557" cy="0"/>
+          </a:xfrm>
+          <a:prstGeom prst="straightConnector1">
+            <a:avLst/>
+          </a:prstGeom>
+          <a:ln w="38100">
+            <a:solidFill>
+              <a:schemeClr val="tx1"/>
+            </a:solidFill>
+            <a:tailEnd type="triangle"/>
+          </a:ln>
+        </p:spPr>
+        <p:style>
+          <a:lnRef idx="2">
+            <a:schemeClr val="accent1"/>
+          </a:lnRef>
+          <a:fillRef idx="0">
+            <a:schemeClr val="accent1"/>
+          </a:fillRef>
+          <a:effectRef idx="1">
+            <a:schemeClr val="accent1"/>
+          </a:effectRef>
+          <a:fontRef idx="minor">
+            <a:schemeClr val="tx1"/>
+          </a:fontRef>
+        </p:style>
+      </p:cxnSp>
+      <p:sp>
+        <p:nvSpPr>
+          <p:cNvPr id="66" name="テキスト ボックス 65">
+            <a:extLst>
+              <a:ext uri="{FF2B5EF4-FFF2-40B4-BE49-F238E27FC236}">
+                <a16:creationId xmlns:a16="http://schemas.microsoft.com/office/drawing/2014/main" id="{530F7723-F1FA-A84A-FFB9-5AF45217C048}"/>
+              </a:ext>
+            </a:extLst>
+          </p:cNvPr>
+          <p:cNvSpPr txBox="1"/>
+          <p:nvPr/>
+        </p:nvSpPr>
+        <p:spPr>
+          <a:xfrm>
+            <a:off x="7899363" y="5589216"/>
+            <a:ext cx="1876767" cy="369332"/>
+          </a:xfrm>
+          <a:prstGeom prst="rect">
+            <a:avLst/>
+          </a:prstGeom>
+          <a:noFill/>
+        </p:spPr>
+        <p:txBody>
+          <a:bodyPr wrap="square" rtlCol="0">
+            <a:spAutoFit/>
+          </a:bodyPr>
+          <a:lstStyle/>
+          <a:p>
+            <a:r>
+              <a:rPr kumimoji="1" lang="ja-JP" altLang="en-US">
+                <a:latin typeface="Meiryo" panose="020B0604030504040204" pitchFamily="34" charset="-128"/>
+                <a:ea typeface="Meiryo" panose="020B0604030504040204" pitchFamily="34" charset="-128"/>
+                <a:cs typeface="JetBrains Mono" panose="02000009000000000000" pitchFamily="49" charset="0"/>
+              </a:rPr>
+              <a:t>接続先を提供</a:t>
+            </a:r>
+          </a:p>
+        </p:txBody>
+      </p:sp>
+      <p:sp>
+        <p:nvSpPr>
+          <p:cNvPr id="67" name="テキスト ボックス 66">
+            <a:extLst>
+              <a:ext uri="{FF2B5EF4-FFF2-40B4-BE49-F238E27FC236}">
+                <a16:creationId xmlns:a16="http://schemas.microsoft.com/office/drawing/2014/main" id="{07CF503A-EDF1-B39D-9214-B53AF2386ADB}"/>
+              </a:ext>
+            </a:extLst>
+          </p:cNvPr>
+          <p:cNvSpPr txBox="1"/>
+          <p:nvPr/>
+        </p:nvSpPr>
+        <p:spPr>
+          <a:xfrm>
+            <a:off x="17154312" y="6860230"/>
+            <a:ext cx="2441422" cy="369332"/>
+          </a:xfrm>
+          <a:prstGeom prst="rect">
+            <a:avLst/>
+          </a:prstGeom>
+          <a:noFill/>
+        </p:spPr>
+        <p:txBody>
+          <a:bodyPr wrap="square" rtlCol="0">
+            <a:spAutoFit/>
+          </a:bodyPr>
+          <a:lstStyle/>
+          <a:p>
+            <a:r>
+              <a:rPr kumimoji="1" lang="en-US" altLang="ja-JP" dirty="0">
+                <a:latin typeface="Meiryo" panose="020B0604030504040204" pitchFamily="34" charset="-128"/>
+                <a:ea typeface="Meiryo" panose="020B0604030504040204" pitchFamily="34" charset="-128"/>
+                <a:cs typeface="JetBrains Mono" panose="02000009000000000000" pitchFamily="49" charset="0"/>
+              </a:rPr>
+              <a:t>web-ex</a:t>
+            </a:r>
+            <a:r>
+              <a:rPr kumimoji="1" lang="ja-JP" altLang="en-US">
+                <a:latin typeface="Meiryo" panose="020B0604030504040204" pitchFamily="34" charset="-128"/>
+                <a:ea typeface="Meiryo" panose="020B0604030504040204" pitchFamily="34" charset="-128"/>
+                <a:cs typeface="JetBrains Mono" panose="02000009000000000000" pitchFamily="49" charset="0"/>
+              </a:rPr>
+              <a:t>環境を要求</a:t>
+            </a:r>
+          </a:p>
+        </p:txBody>
+      </p:sp>
+      <p:pic>
+        <p:nvPicPr>
+          <p:cNvPr id="68" name="Picture 8">
+            <a:extLst>
+              <a:ext uri="{FF2B5EF4-FFF2-40B4-BE49-F238E27FC236}">
+                <a16:creationId xmlns:a16="http://schemas.microsoft.com/office/drawing/2014/main" id="{0959A191-709F-9291-0EA6-A1547257EAF6}"/>
+              </a:ext>
+            </a:extLst>
+          </p:cNvPr>
+          <p:cNvPicPr>
+            <a:picLocks noChangeAspect="1" noChangeArrowheads="1"/>
+          </p:cNvPicPr>
+          <p:nvPr/>
+        </p:nvPicPr>
+        <p:blipFill>
+          <a:blip r:embed="rId11">
+            <a:extLst>
+              <a:ext uri="{28A0092B-C50C-407E-A947-70E740481C1C}">
+                <a14:useLocalDpi xmlns:a14="http://schemas.microsoft.com/office/drawing/2010/main" val="0"/>
+              </a:ext>
+            </a:extLst>
+          </a:blip>
+          <a:srcRect/>
+          <a:stretch>
+            <a:fillRect/>
+          </a:stretch>
+        </p:blipFill>
+        <p:spPr bwMode="auto">
+          <a:xfrm>
+            <a:off x="19151793" y="1870119"/>
+            <a:ext cx="1051654" cy="1051654"/>
+          </a:xfrm>
+          <a:prstGeom prst="rect">
+            <a:avLst/>
+          </a:prstGeom>
+          <a:noFill/>
+          <a:extLst>
+            <a:ext uri="{909E8E84-426E-40DD-AFC4-6F175D3DCCD1}">
+              <a14:hiddenFill xmlns:a14="http://schemas.microsoft.com/office/drawing/2010/main">
+                <a:solidFill>
+                  <a:srgbClr val="FFFFFF"/>
+                </a:solidFill>
+              </a14:hiddenFill>
+            </a:ext>
+          </a:extLst>
+        </p:spPr>
+      </p:pic>
+      <p:sp>
+        <p:nvSpPr>
+          <p:cNvPr id="69" name="テキスト ボックス 68">
+            <a:extLst>
+              <a:ext uri="{FF2B5EF4-FFF2-40B4-BE49-F238E27FC236}">
+                <a16:creationId xmlns:a16="http://schemas.microsoft.com/office/drawing/2014/main" id="{69AE4D9D-BA5B-3F39-002E-0A104FFE43BE}"/>
+              </a:ext>
+            </a:extLst>
+          </p:cNvPr>
+          <p:cNvSpPr txBox="1"/>
+          <p:nvPr/>
+        </p:nvSpPr>
+        <p:spPr>
+          <a:xfrm>
+            <a:off x="18610095" y="2973843"/>
+            <a:ext cx="1959518" cy="369332"/>
+          </a:xfrm>
+          <a:prstGeom prst="rect">
+            <a:avLst/>
+          </a:prstGeom>
+          <a:solidFill>
+            <a:schemeClr val="bg1"/>
+          </a:solidFill>
+        </p:spPr>
+        <p:txBody>
+          <a:bodyPr wrap="square" rtlCol="0">
+            <a:spAutoFit/>
+          </a:bodyPr>
+          <a:lstStyle/>
+          <a:p>
+            <a:pPr algn="ctr"/>
+            <a:r>
+              <a:rPr kumimoji="1" lang="en-US" altLang="ja-JP" dirty="0">
+                <a:latin typeface="Meiryo" panose="020B0604030504040204" pitchFamily="34" charset="-128"/>
+                <a:ea typeface="Meiryo" panose="020B0604030504040204" pitchFamily="34" charset="-128"/>
+                <a:cs typeface="JetBrains Mono" panose="02000009000000000000" pitchFamily="49" charset="0"/>
+              </a:rPr>
+              <a:t>Node01(</a:t>
+            </a:r>
+            <a:r>
+              <a:rPr kumimoji="1" lang="ja-JP" altLang="en-US">
+                <a:latin typeface="Meiryo" panose="020B0604030504040204" pitchFamily="34" charset="-128"/>
+                <a:ea typeface="Meiryo" panose="020B0604030504040204" pitchFamily="34" charset="-128"/>
+                <a:cs typeface="JetBrains Mono" panose="02000009000000000000" pitchFamily="49" charset="0"/>
+              </a:rPr>
+              <a:t>通常</a:t>
+            </a:r>
+            <a:r>
+              <a:rPr kumimoji="1" lang="en-US" altLang="ja-JP" dirty="0">
+                <a:latin typeface="Meiryo" panose="020B0604030504040204" pitchFamily="34" charset="-128"/>
+                <a:ea typeface="Meiryo" panose="020B0604030504040204" pitchFamily="34" charset="-128"/>
+                <a:cs typeface="JetBrains Mono" panose="02000009000000000000" pitchFamily="49" charset="0"/>
+              </a:rPr>
+              <a:t>) </a:t>
+            </a:r>
+            <a:endParaRPr kumimoji="1" lang="ja-JP" altLang="en-US">
+              <a:latin typeface="Meiryo" panose="020B0604030504040204" pitchFamily="34" charset="-128"/>
+              <a:ea typeface="Meiryo" panose="020B0604030504040204" pitchFamily="34" charset="-128"/>
+              <a:cs typeface="JetBrains Mono" panose="02000009000000000000" pitchFamily="49" charset="0"/>
+            </a:endParaRPr>
+          </a:p>
+        </p:txBody>
+      </p:sp>
+      <p:pic>
+        <p:nvPicPr>
+          <p:cNvPr id="70" name="Picture 8">
+            <a:extLst>
+              <a:ext uri="{FF2B5EF4-FFF2-40B4-BE49-F238E27FC236}">
+                <a16:creationId xmlns:a16="http://schemas.microsoft.com/office/drawing/2014/main" id="{DF65DFB5-4671-EE33-3DBE-B60757D4286C}"/>
+              </a:ext>
+            </a:extLst>
+          </p:cNvPr>
+          <p:cNvPicPr>
+            <a:picLocks noChangeAspect="1" noChangeArrowheads="1"/>
+          </p:cNvPicPr>
+          <p:nvPr/>
+        </p:nvPicPr>
+        <p:blipFill>
+          <a:blip r:embed="rId11">
+            <a:extLst>
+              <a:ext uri="{28A0092B-C50C-407E-A947-70E740481C1C}">
+                <a14:useLocalDpi xmlns:a14="http://schemas.microsoft.com/office/drawing/2010/main" val="0"/>
+              </a:ext>
+            </a:extLst>
+          </a:blip>
+          <a:srcRect/>
+          <a:stretch>
+            <a:fillRect/>
+          </a:stretch>
+        </p:blipFill>
+        <p:spPr bwMode="auto">
+          <a:xfrm>
+            <a:off x="19069907" y="4766359"/>
+            <a:ext cx="1051654" cy="1051654"/>
+          </a:xfrm>
+          <a:prstGeom prst="rect">
+            <a:avLst/>
+          </a:prstGeom>
+          <a:noFill/>
+          <a:extLst>
+            <a:ext uri="{909E8E84-426E-40DD-AFC4-6F175D3DCCD1}">
+              <a14:hiddenFill xmlns:a14="http://schemas.microsoft.com/office/drawing/2010/main">
+                <a:solidFill>
+                  <a:srgbClr val="FFFFFF"/>
+                </a:solidFill>
+              </a14:hiddenFill>
+            </a:ext>
+          </a:extLst>
+        </p:spPr>
+      </p:pic>
+      <p:sp>
+        <p:nvSpPr>
+          <p:cNvPr id="71" name="テキスト ボックス 70">
+            <a:extLst>
+              <a:ext uri="{FF2B5EF4-FFF2-40B4-BE49-F238E27FC236}">
+                <a16:creationId xmlns:a16="http://schemas.microsoft.com/office/drawing/2014/main" id="{079543D5-545F-5795-701C-ED26197AE4A2}"/>
+              </a:ext>
+            </a:extLst>
+          </p:cNvPr>
+          <p:cNvSpPr txBox="1"/>
+          <p:nvPr/>
+        </p:nvSpPr>
+        <p:spPr>
+          <a:xfrm>
+            <a:off x="18756353" y="5823911"/>
+            <a:ext cx="1959518" cy="369332"/>
+          </a:xfrm>
+          <a:prstGeom prst="rect">
+            <a:avLst/>
+          </a:prstGeom>
+          <a:solidFill>
+            <a:schemeClr val="bg1"/>
+          </a:solidFill>
+        </p:spPr>
+        <p:txBody>
+          <a:bodyPr wrap="square" rtlCol="0">
+            <a:spAutoFit/>
+          </a:bodyPr>
+          <a:lstStyle/>
+          <a:p>
+            <a:pPr algn="ctr"/>
+            <a:r>
+              <a:rPr kumimoji="1" lang="en-US" altLang="ja-JP" dirty="0">
+                <a:latin typeface="Meiryo" panose="020B0604030504040204" pitchFamily="34" charset="-128"/>
+                <a:ea typeface="Meiryo" panose="020B0604030504040204" pitchFamily="34" charset="-128"/>
+                <a:cs typeface="JetBrains Mono" panose="02000009000000000000" pitchFamily="49" charset="0"/>
+              </a:rPr>
+              <a:t>Node02(</a:t>
+            </a:r>
+            <a:r>
+              <a:rPr kumimoji="1" lang="ja-JP" altLang="en-US">
+                <a:latin typeface="Meiryo" panose="020B0604030504040204" pitchFamily="34" charset="-128"/>
+                <a:ea typeface="Meiryo" panose="020B0604030504040204" pitchFamily="34" charset="-128"/>
+                <a:cs typeface="JetBrains Mono" panose="02000009000000000000" pitchFamily="49" charset="0"/>
+              </a:rPr>
+              <a:t>高性能</a:t>
+            </a:r>
+            <a:r>
+              <a:rPr kumimoji="1" lang="en-US" altLang="ja-JP" dirty="0">
+                <a:latin typeface="Meiryo" panose="020B0604030504040204" pitchFamily="34" charset="-128"/>
+                <a:ea typeface="Meiryo" panose="020B0604030504040204" pitchFamily="34" charset="-128"/>
+                <a:cs typeface="JetBrains Mono" panose="02000009000000000000" pitchFamily="49" charset="0"/>
+              </a:rPr>
+              <a:t>) </a:t>
+            </a:r>
+            <a:endParaRPr kumimoji="1" lang="ja-JP" altLang="en-US">
+              <a:latin typeface="Meiryo" panose="020B0604030504040204" pitchFamily="34" charset="-128"/>
+              <a:ea typeface="Meiryo" panose="020B0604030504040204" pitchFamily="34" charset="-128"/>
+              <a:cs typeface="JetBrains Mono" panose="02000009000000000000" pitchFamily="49" charset="0"/>
+            </a:endParaRPr>
+          </a:p>
+        </p:txBody>
+      </p:sp>
+      <p:pic>
+        <p:nvPicPr>
+          <p:cNvPr id="72" name="Picture 2">
+            <a:extLst>
+              <a:ext uri="{FF2B5EF4-FFF2-40B4-BE49-F238E27FC236}">
+                <a16:creationId xmlns:a16="http://schemas.microsoft.com/office/drawing/2014/main" id="{B30E2DFE-2DEE-2011-D5FE-538DA3DF7F7F}"/>
+              </a:ext>
+            </a:extLst>
+          </p:cNvPr>
+          <p:cNvPicPr>
+            <a:picLocks noChangeAspect="1" noChangeArrowheads="1"/>
+          </p:cNvPicPr>
+          <p:nvPr/>
+        </p:nvPicPr>
+        <p:blipFill>
+          <a:blip r:embed="rId12">
+            <a:extLst>
+              <a:ext uri="{28A0092B-C50C-407E-A947-70E740481C1C}">
+                <a14:useLocalDpi xmlns:a14="http://schemas.microsoft.com/office/drawing/2010/main" val="0"/>
+              </a:ext>
+            </a:extLst>
+          </a:blip>
+          <a:srcRect/>
+          <a:stretch>
+            <a:fillRect/>
+          </a:stretch>
+        </p:blipFill>
+        <p:spPr bwMode="auto">
+          <a:xfrm>
+            <a:off x="16303944" y="2826073"/>
+            <a:ext cx="1207024" cy="1207024"/>
+          </a:xfrm>
+          <a:prstGeom prst="rect">
+            <a:avLst/>
+          </a:prstGeom>
+          <a:noFill/>
+          <a:extLst>
+            <a:ext uri="{909E8E84-426E-40DD-AFC4-6F175D3DCCD1}">
+              <a14:hiddenFill xmlns:a14="http://schemas.microsoft.com/office/drawing/2010/main">
+                <a:solidFill>
+                  <a:srgbClr val="FFFFFF"/>
+                </a:solidFill>
+              </a14:hiddenFill>
+            </a:ext>
+          </a:extLst>
+        </p:spPr>
+      </p:pic>
+      <p:pic>
+        <p:nvPicPr>
+          <p:cNvPr id="73" name="Picture 2">
+            <a:extLst>
+              <a:ext uri="{FF2B5EF4-FFF2-40B4-BE49-F238E27FC236}">
+                <a16:creationId xmlns:a16="http://schemas.microsoft.com/office/drawing/2014/main" id="{3B8209F3-CDAB-1B91-B425-429EBF7812CF}"/>
+              </a:ext>
+            </a:extLst>
+          </p:cNvPr>
+          <p:cNvPicPr>
+            <a:picLocks noChangeAspect="1" noChangeArrowheads="1"/>
+          </p:cNvPicPr>
+          <p:nvPr/>
+        </p:nvPicPr>
+        <p:blipFill>
+          <a:blip r:embed="rId5">
+            <a:extLst>
+              <a:ext uri="{28A0092B-C50C-407E-A947-70E740481C1C}">
+                <a14:useLocalDpi xmlns:a14="http://schemas.microsoft.com/office/drawing/2010/main" val="0"/>
+              </a:ext>
+            </a:extLst>
+          </a:blip>
+          <a:srcRect/>
+          <a:stretch>
+            <a:fillRect/>
+          </a:stretch>
+        </p:blipFill>
+        <p:spPr bwMode="auto">
+          <a:xfrm>
+            <a:off x="14392604" y="5680574"/>
+            <a:ext cx="1207024" cy="1207024"/>
+          </a:xfrm>
+          <a:prstGeom prst="rect">
+            <a:avLst/>
+          </a:prstGeom>
+          <a:noFill/>
+          <a:extLst>
+            <a:ext uri="{909E8E84-426E-40DD-AFC4-6F175D3DCCD1}">
+              <a14:hiddenFill xmlns:a14="http://schemas.microsoft.com/office/drawing/2010/main">
+                <a:solidFill>
+                  <a:srgbClr val="FFFFFF"/>
+                </a:solidFill>
+              </a14:hiddenFill>
+            </a:ext>
+          </a:extLst>
+        </p:spPr>
+      </p:pic>
+      <p:cxnSp>
+        <p:nvCxnSpPr>
+          <p:cNvPr id="74" name="直線矢印コネクタ 73">
+            <a:extLst>
+              <a:ext uri="{FF2B5EF4-FFF2-40B4-BE49-F238E27FC236}">
+                <a16:creationId xmlns:a16="http://schemas.microsoft.com/office/drawing/2014/main" id="{3F2B843D-614A-E7F7-E02C-1C6F4ABAABEC}"/>
+              </a:ext>
+            </a:extLst>
+          </p:cNvPr>
+          <p:cNvCxnSpPr>
+            <a:cxnSpLocks/>
+          </p:cNvCxnSpPr>
+          <p:nvPr/>
+        </p:nvCxnSpPr>
+        <p:spPr>
+          <a:xfrm>
+            <a:off x="13121467" y="4818884"/>
+            <a:ext cx="763852" cy="8596"/>
+          </a:xfrm>
+          <a:prstGeom prst="straightConnector1">
+            <a:avLst/>
+          </a:prstGeom>
+          <a:ln w="38100">
+            <a:solidFill>
+              <a:schemeClr val="tx1"/>
+            </a:solidFill>
+            <a:tailEnd type="triangle"/>
+          </a:ln>
+        </p:spPr>
+        <p:style>
+          <a:lnRef idx="2">
+            <a:schemeClr val="accent1"/>
+          </a:lnRef>
+          <a:fillRef idx="0">
+            <a:schemeClr val="accent1"/>
+          </a:fillRef>
+          <a:effectRef idx="1">
+            <a:schemeClr val="accent1"/>
+          </a:effectRef>
+          <a:fontRef idx="minor">
+            <a:schemeClr val="tx1"/>
+          </a:fontRef>
+        </p:style>
+      </p:cxnSp>
+      <p:cxnSp>
+        <p:nvCxnSpPr>
+          <p:cNvPr id="75" name="直線矢印コネクタ 74">
+            <a:extLst>
+              <a:ext uri="{FF2B5EF4-FFF2-40B4-BE49-F238E27FC236}">
+                <a16:creationId xmlns:a16="http://schemas.microsoft.com/office/drawing/2014/main" id="{8D559415-139B-DE29-C189-0F27BFE30112}"/>
+              </a:ext>
+            </a:extLst>
+          </p:cNvPr>
+          <p:cNvCxnSpPr>
+            <a:cxnSpLocks/>
+          </p:cNvCxnSpPr>
+          <p:nvPr/>
+        </p:nvCxnSpPr>
+        <p:spPr>
+          <a:xfrm flipH="1">
+            <a:off x="13121467" y="5036294"/>
+            <a:ext cx="707314" cy="5614"/>
+          </a:xfrm>
+          <a:prstGeom prst="straightConnector1">
+            <a:avLst/>
+          </a:prstGeom>
+          <a:ln w="38100">
+            <a:solidFill>
+              <a:schemeClr val="tx1"/>
+            </a:solidFill>
+            <a:tailEnd type="triangle"/>
+          </a:ln>
+        </p:spPr>
+        <p:style>
+          <a:lnRef idx="2">
+            <a:schemeClr val="accent1"/>
+          </a:lnRef>
+          <a:fillRef idx="0">
+            <a:schemeClr val="accent1"/>
+          </a:fillRef>
+          <a:effectRef idx="1">
+            <a:schemeClr val="accent1"/>
+          </a:effectRef>
+          <a:fontRef idx="minor">
+            <a:schemeClr val="tx1"/>
+          </a:fontRef>
+        </p:style>
+      </p:cxnSp>
+      <p:cxnSp>
+        <p:nvCxnSpPr>
+          <p:cNvPr id="76" name="直線矢印コネクタ 75">
+            <a:extLst>
+              <a:ext uri="{FF2B5EF4-FFF2-40B4-BE49-F238E27FC236}">
+                <a16:creationId xmlns:a16="http://schemas.microsoft.com/office/drawing/2014/main" id="{41A6D646-0A3F-36DE-F17D-53892032F73F}"/>
+              </a:ext>
+            </a:extLst>
+          </p:cNvPr>
+          <p:cNvCxnSpPr>
+            <a:cxnSpLocks/>
+          </p:cNvCxnSpPr>
+          <p:nvPr/>
+        </p:nvCxnSpPr>
+        <p:spPr>
+          <a:xfrm flipH="1">
+            <a:off x="15519567" y="3570264"/>
+            <a:ext cx="811116" cy="0"/>
+          </a:xfrm>
+          <a:prstGeom prst="straightConnector1">
+            <a:avLst/>
+          </a:prstGeom>
+          <a:ln w="38100">
+            <a:solidFill>
+              <a:schemeClr val="tx1"/>
+            </a:solidFill>
+            <a:tailEnd type="triangle"/>
+          </a:ln>
+        </p:spPr>
+        <p:style>
+          <a:lnRef idx="2">
+            <a:schemeClr val="accent1"/>
+          </a:lnRef>
+          <a:fillRef idx="0">
+            <a:schemeClr val="accent1"/>
+          </a:fillRef>
+          <a:effectRef idx="1">
+            <a:schemeClr val="accent1"/>
+          </a:effectRef>
+          <a:fontRef idx="minor">
+            <a:schemeClr val="tx1"/>
+          </a:fontRef>
+        </p:style>
+      </p:cxnSp>
+      <p:pic>
+        <p:nvPicPr>
+          <p:cNvPr id="77" name="Picture 2">
+            <a:extLst>
+              <a:ext uri="{FF2B5EF4-FFF2-40B4-BE49-F238E27FC236}">
+                <a16:creationId xmlns:a16="http://schemas.microsoft.com/office/drawing/2014/main" id="{1BE0CD60-C625-2F2E-C909-6BBC2F7A2C6D}"/>
+              </a:ext>
+            </a:extLst>
+          </p:cNvPr>
+          <p:cNvPicPr>
+            <a:picLocks noChangeAspect="1" noChangeArrowheads="1"/>
+          </p:cNvPicPr>
+          <p:nvPr/>
+        </p:nvPicPr>
+        <p:blipFill>
+          <a:blip r:embed="rId12">
+            <a:extLst>
+              <a:ext uri="{28A0092B-C50C-407E-A947-70E740481C1C}">
+                <a14:useLocalDpi xmlns:a14="http://schemas.microsoft.com/office/drawing/2010/main" val="0"/>
+              </a:ext>
+            </a:extLst>
+          </a:blip>
+          <a:srcRect/>
+          <a:stretch>
+            <a:fillRect/>
+          </a:stretch>
+        </p:blipFill>
+        <p:spPr bwMode="auto">
+          <a:xfrm>
+            <a:off x="16303944" y="5685172"/>
+            <a:ext cx="1207024" cy="1207024"/>
+          </a:xfrm>
+          <a:prstGeom prst="rect">
+            <a:avLst/>
+          </a:prstGeom>
+          <a:noFill/>
+          <a:extLst>
+            <a:ext uri="{909E8E84-426E-40DD-AFC4-6F175D3DCCD1}">
+              <a14:hiddenFill xmlns:a14="http://schemas.microsoft.com/office/drawing/2010/main">
+                <a:solidFill>
+                  <a:srgbClr val="FFFFFF"/>
+                </a:solidFill>
+              </a14:hiddenFill>
+            </a:ext>
+          </a:extLst>
+        </p:spPr>
+      </p:pic>
+      <p:cxnSp>
+        <p:nvCxnSpPr>
+          <p:cNvPr id="78" name="直線矢印コネクタ 77">
+            <a:extLst>
+              <a:ext uri="{FF2B5EF4-FFF2-40B4-BE49-F238E27FC236}">
+                <a16:creationId xmlns:a16="http://schemas.microsoft.com/office/drawing/2014/main" id="{FDFD2C31-7745-00CD-0FC7-34BB983FD35C}"/>
+              </a:ext>
+            </a:extLst>
+          </p:cNvPr>
+          <p:cNvCxnSpPr>
+            <a:cxnSpLocks/>
+          </p:cNvCxnSpPr>
+          <p:nvPr/>
+        </p:nvCxnSpPr>
+        <p:spPr>
+          <a:xfrm flipH="1">
+            <a:off x="15568257" y="6433598"/>
+            <a:ext cx="811116" cy="0"/>
+          </a:xfrm>
+          <a:prstGeom prst="straightConnector1">
+            <a:avLst/>
+          </a:prstGeom>
+          <a:ln w="38100">
+            <a:solidFill>
+              <a:schemeClr val="tx1"/>
+            </a:solidFill>
+            <a:tailEnd type="triangle"/>
+          </a:ln>
+        </p:spPr>
+        <p:style>
+          <a:lnRef idx="2">
+            <a:schemeClr val="accent1"/>
+          </a:lnRef>
+          <a:fillRef idx="0">
+            <a:schemeClr val="accent1"/>
+          </a:fillRef>
+          <a:effectRef idx="1">
+            <a:schemeClr val="accent1"/>
+          </a:effectRef>
+          <a:fontRef idx="minor">
+            <a:schemeClr val="tx1"/>
+          </a:fontRef>
+        </p:style>
+      </p:cxnSp>
+      <p:cxnSp>
+        <p:nvCxnSpPr>
+          <p:cNvPr id="79" name="直線矢印コネクタ 78">
+            <a:extLst>
+              <a:ext uri="{FF2B5EF4-FFF2-40B4-BE49-F238E27FC236}">
+                <a16:creationId xmlns:a16="http://schemas.microsoft.com/office/drawing/2014/main" id="{63ED4711-7E5F-9A89-4BA8-83E86518C946}"/>
+              </a:ext>
+            </a:extLst>
+          </p:cNvPr>
+          <p:cNvCxnSpPr>
+            <a:cxnSpLocks/>
+            <a:stCxn id="72" idx="2"/>
+            <a:endCxn id="24" idx="0"/>
+          </p:cNvCxnSpPr>
+          <p:nvPr/>
+        </p:nvCxnSpPr>
+        <p:spPr>
+          <a:xfrm flipH="1">
+            <a:off x="16905138" y="4033097"/>
+            <a:ext cx="2318" cy="502329"/>
+          </a:xfrm>
+          <a:prstGeom prst="straightConnector1">
+            <a:avLst/>
+          </a:prstGeom>
+          <a:ln w="38100">
+            <a:solidFill>
+              <a:schemeClr val="tx1"/>
+            </a:solidFill>
+            <a:tailEnd type="triangle"/>
+          </a:ln>
+        </p:spPr>
+        <p:style>
+          <a:lnRef idx="2">
+            <a:schemeClr val="accent1"/>
+          </a:lnRef>
+          <a:fillRef idx="0">
+            <a:schemeClr val="accent1"/>
+          </a:fillRef>
+          <a:effectRef idx="1">
+            <a:schemeClr val="accent1"/>
+          </a:effectRef>
+          <a:fontRef idx="minor">
+            <a:schemeClr val="tx1"/>
+          </a:fontRef>
+        </p:style>
+      </p:cxnSp>
+      <p:cxnSp>
+        <p:nvCxnSpPr>
+          <p:cNvPr id="80" name="直線矢印コネクタ 79">
+            <a:extLst>
+              <a:ext uri="{FF2B5EF4-FFF2-40B4-BE49-F238E27FC236}">
+                <a16:creationId xmlns:a16="http://schemas.microsoft.com/office/drawing/2014/main" id="{582DB364-5DA6-63EF-7BB8-A58250677BB6}"/>
+              </a:ext>
+            </a:extLst>
+          </p:cNvPr>
+          <p:cNvCxnSpPr>
+            <a:cxnSpLocks/>
+            <a:stCxn id="77" idx="0"/>
+            <a:endCxn id="24" idx="2"/>
+          </p:cNvCxnSpPr>
+          <p:nvPr/>
+        </p:nvCxnSpPr>
+        <p:spPr>
+          <a:xfrm flipH="1" flipV="1">
+            <a:off x="16905138" y="5394686"/>
+            <a:ext cx="2318" cy="290486"/>
+          </a:xfrm>
+          <a:prstGeom prst="straightConnector1">
+            <a:avLst/>
+          </a:prstGeom>
+          <a:ln w="38100">
+            <a:solidFill>
+              <a:schemeClr val="tx1"/>
+            </a:solidFill>
+            <a:tailEnd type="triangle"/>
+          </a:ln>
+        </p:spPr>
+        <p:style>
+          <a:lnRef idx="2">
+            <a:schemeClr val="accent1"/>
+          </a:lnRef>
+          <a:fillRef idx="0">
+            <a:schemeClr val="accent1"/>
+          </a:fillRef>
+          <a:effectRef idx="1">
+            <a:schemeClr val="accent1"/>
+          </a:effectRef>
+          <a:fontRef idx="minor">
+            <a:schemeClr val="tx1"/>
+          </a:fontRef>
+        </p:style>
+      </p:cxnSp>
+      <p:sp>
+        <p:nvSpPr>
+          <p:cNvPr id="81" name="テキスト ボックス 80">
+            <a:extLst>
+              <a:ext uri="{FF2B5EF4-FFF2-40B4-BE49-F238E27FC236}">
+                <a16:creationId xmlns:a16="http://schemas.microsoft.com/office/drawing/2014/main" id="{E355ED39-00BF-4D96-D315-D1129D5225F3}"/>
+              </a:ext>
+            </a:extLst>
+          </p:cNvPr>
+          <p:cNvSpPr txBox="1"/>
+          <p:nvPr/>
+        </p:nvSpPr>
+        <p:spPr>
+          <a:xfrm>
+            <a:off x="16034858" y="4156353"/>
+            <a:ext cx="881300" cy="338554"/>
+          </a:xfrm>
+          <a:prstGeom prst="rect">
+            <a:avLst/>
+          </a:prstGeom>
+          <a:noFill/>
+        </p:spPr>
+        <p:txBody>
+          <a:bodyPr wrap="square" rtlCol="0">
+            <a:spAutoFit/>
+          </a:bodyPr>
+          <a:lstStyle/>
+          <a:p>
+            <a:r>
+              <a:rPr kumimoji="1" lang="en-US" altLang="ja-JP" sz="1600" dirty="0">
+                <a:latin typeface="Meiryo" panose="020B0604030504040204" pitchFamily="34" charset="-128"/>
+                <a:ea typeface="Meiryo" panose="020B0604030504040204" pitchFamily="34" charset="-128"/>
+                <a:cs typeface="JetBrains Mono" panose="02000009000000000000" pitchFamily="49" charset="0"/>
+              </a:rPr>
+              <a:t>mount</a:t>
+            </a:r>
+            <a:endParaRPr kumimoji="1" lang="ja-JP" altLang="en-US" sz="1600">
+              <a:latin typeface="Meiryo" panose="020B0604030504040204" pitchFamily="34" charset="-128"/>
+              <a:ea typeface="Meiryo" panose="020B0604030504040204" pitchFamily="34" charset="-128"/>
+              <a:cs typeface="JetBrains Mono" panose="02000009000000000000" pitchFamily="49" charset="0"/>
+            </a:endParaRPr>
+          </a:p>
+        </p:txBody>
+      </p:sp>
+      <p:sp>
+        <p:nvSpPr>
+          <p:cNvPr id="83" name="テキスト ボックス 82">
+            <a:extLst>
+              <a:ext uri="{FF2B5EF4-FFF2-40B4-BE49-F238E27FC236}">
+                <a16:creationId xmlns:a16="http://schemas.microsoft.com/office/drawing/2014/main" id="{103C3937-CDB8-04BF-9B8C-FF4C8AF375E4}"/>
+              </a:ext>
+            </a:extLst>
+          </p:cNvPr>
+          <p:cNvSpPr txBox="1"/>
+          <p:nvPr/>
+        </p:nvSpPr>
+        <p:spPr>
+          <a:xfrm>
+            <a:off x="16050118" y="5395534"/>
+            <a:ext cx="881300" cy="338554"/>
+          </a:xfrm>
+          <a:prstGeom prst="rect">
+            <a:avLst/>
+          </a:prstGeom>
+          <a:noFill/>
+        </p:spPr>
+        <p:txBody>
+          <a:bodyPr wrap="square" rtlCol="0">
+            <a:spAutoFit/>
+          </a:bodyPr>
+          <a:lstStyle/>
+          <a:p>
+            <a:r>
+              <a:rPr kumimoji="1" lang="en-US" altLang="ja-JP" sz="1600" dirty="0">
+                <a:latin typeface="Meiryo" panose="020B0604030504040204" pitchFamily="34" charset="-128"/>
+                <a:ea typeface="Meiryo" panose="020B0604030504040204" pitchFamily="34" charset="-128"/>
+                <a:cs typeface="JetBrains Mono" panose="02000009000000000000" pitchFamily="49" charset="0"/>
+              </a:rPr>
+              <a:t>mount</a:t>
+            </a:r>
+            <a:endParaRPr kumimoji="1" lang="ja-JP" altLang="en-US" sz="1600">
+              <a:latin typeface="Meiryo" panose="020B0604030504040204" pitchFamily="34" charset="-128"/>
+              <a:ea typeface="Meiryo" panose="020B0604030504040204" pitchFamily="34" charset="-128"/>
+              <a:cs typeface="JetBrains Mono" panose="02000009000000000000" pitchFamily="49" charset="0"/>
+            </a:endParaRPr>
+          </a:p>
+        </p:txBody>
+      </p:sp>
+      <p:sp>
+        <p:nvSpPr>
+          <p:cNvPr id="84" name="テキスト ボックス 83">
+            <a:extLst>
+              <a:ext uri="{FF2B5EF4-FFF2-40B4-BE49-F238E27FC236}">
+                <a16:creationId xmlns:a16="http://schemas.microsoft.com/office/drawing/2014/main" id="{6AC7F173-6BCA-C03A-E92F-1688E19BE11F}"/>
+              </a:ext>
+            </a:extLst>
+          </p:cNvPr>
+          <p:cNvSpPr txBox="1"/>
+          <p:nvPr/>
+        </p:nvSpPr>
+        <p:spPr>
+          <a:xfrm>
+            <a:off x="17395264" y="4828746"/>
+            <a:ext cx="1674643" cy="276999"/>
+          </a:xfrm>
+          <a:prstGeom prst="rect">
+            <a:avLst/>
+          </a:prstGeom>
+          <a:solidFill>
+            <a:schemeClr val="bg1"/>
+          </a:solidFill>
+        </p:spPr>
+        <p:txBody>
+          <a:bodyPr wrap="square" rtlCol="0">
+            <a:spAutoFit/>
+          </a:bodyPr>
+          <a:lstStyle/>
+          <a:p>
+            <a:r>
+              <a:rPr kumimoji="1" lang="ja-JP" altLang="en-US" sz="1200">
+                <a:latin typeface="Meiryo" panose="020B0604030504040204" pitchFamily="34" charset="-128"/>
+                <a:ea typeface="Meiryo" panose="020B0604030504040204" pitchFamily="34" charset="-128"/>
+                <a:cs typeface="JetBrains Mono" panose="02000009000000000000" pitchFamily="49" charset="0"/>
+              </a:rPr>
+              <a:t>ストレージサーバー</a:t>
+            </a:r>
+          </a:p>
+        </p:txBody>
+      </p:sp>
+      <p:sp>
+        <p:nvSpPr>
+          <p:cNvPr id="86" name="角丸四角形 85">
+            <a:extLst>
+              <a:ext uri="{FF2B5EF4-FFF2-40B4-BE49-F238E27FC236}">
+                <a16:creationId xmlns:a16="http://schemas.microsoft.com/office/drawing/2014/main" id="{743911C0-04A7-01B7-9E73-6CEB29120154}"/>
+              </a:ext>
+            </a:extLst>
+          </p:cNvPr>
+          <p:cNvSpPr/>
+          <p:nvPr/>
+        </p:nvSpPr>
+        <p:spPr>
+          <a:xfrm>
+            <a:off x="7991984" y="10495141"/>
+            <a:ext cx="2819354" cy="2303890"/>
+          </a:xfrm>
+          <a:prstGeom prst="roundRect">
+            <a:avLst/>
+          </a:prstGeom>
+          <a:solidFill>
+            <a:schemeClr val="accent4">
+              <a:lumMod val="40000"/>
+              <a:lumOff val="60000"/>
+            </a:schemeClr>
+          </a:solidFill>
+          <a:ln>
+            <a:noFill/>
+          </a:ln>
+        </p:spPr>
+        <p:style>
+          <a:lnRef idx="2">
+            <a:schemeClr val="accent1">
+              <a:shade val="15000"/>
+            </a:schemeClr>
+          </a:lnRef>
+          <a:fillRef idx="1">
+            <a:schemeClr val="accent1"/>
+          </a:fillRef>
+          <a:effectRef idx="0">
+            <a:schemeClr val="accent1"/>
+          </a:effectRef>
+          <a:fontRef idx="minor">
+            <a:schemeClr val="lt1"/>
+          </a:fontRef>
+        </p:style>
+        <p:txBody>
+          <a:bodyPr rtlCol="0" anchor="ctr"/>
+          <a:lstStyle/>
+          <a:p>
+            <a:pPr algn="ctr"/>
+            <a:br>
+              <a:rPr kumimoji="1" lang="en-US" altLang="ja-JP" sz="2400" dirty="0">
+                <a:solidFill>
+                  <a:schemeClr val="tx1"/>
+                </a:solidFill>
+                <a:latin typeface="Meiryo" panose="020B0604030504040204" pitchFamily="34" charset="-128"/>
+                <a:ea typeface="Meiryo" panose="020B0604030504040204" pitchFamily="34" charset="-128"/>
+                <a:cs typeface="JetBrains Mono" panose="02000009000000000000" pitchFamily="49" charset="0"/>
+              </a:rPr>
+            </a:br>
+            <a:r>
+              <a:rPr kumimoji="1" lang="en-US" altLang="ja-JP" sz="2400" dirty="0">
+                <a:solidFill>
+                  <a:schemeClr val="tx1"/>
+                </a:solidFill>
+                <a:latin typeface="Meiryo" panose="020B0604030504040204" pitchFamily="34" charset="-128"/>
+                <a:ea typeface="Meiryo" panose="020B0604030504040204" pitchFamily="34" charset="-128"/>
+                <a:cs typeface="JetBrains Mono" panose="02000009000000000000" pitchFamily="49" charset="0"/>
+              </a:rPr>
+              <a:t>Interface</a:t>
+            </a:r>
+          </a:p>
+          <a:p>
+            <a:pPr algn="ctr"/>
+            <a:endParaRPr kumimoji="1" lang="en-US" altLang="ja-JP" sz="2400" dirty="0">
+              <a:solidFill>
+                <a:schemeClr val="tx1"/>
+              </a:solidFill>
+              <a:latin typeface="Meiryo" panose="020B0604030504040204" pitchFamily="34" charset="-128"/>
+              <a:ea typeface="Meiryo" panose="020B0604030504040204" pitchFamily="34" charset="-128"/>
+              <a:cs typeface="JetBrains Mono" panose="02000009000000000000" pitchFamily="49" charset="0"/>
+            </a:endParaRPr>
+          </a:p>
+          <a:p>
+            <a:pPr algn="ctr"/>
+            <a:endParaRPr kumimoji="1" lang="en-US" altLang="ja-JP" sz="2400" dirty="0">
+              <a:solidFill>
+                <a:schemeClr val="tx1"/>
+              </a:solidFill>
+              <a:latin typeface="Meiryo" panose="020B0604030504040204" pitchFamily="34" charset="-128"/>
+              <a:ea typeface="Meiryo" panose="020B0604030504040204" pitchFamily="34" charset="-128"/>
+              <a:cs typeface="JetBrains Mono" panose="02000009000000000000" pitchFamily="49" charset="0"/>
+            </a:endParaRPr>
+          </a:p>
+          <a:p>
+            <a:pPr algn="ctr"/>
+            <a:endParaRPr kumimoji="1" lang="en-US" altLang="ja-JP" sz="2400" dirty="0">
+              <a:solidFill>
+                <a:schemeClr val="tx1"/>
+              </a:solidFill>
+              <a:latin typeface="Meiryo" panose="020B0604030504040204" pitchFamily="34" charset="-128"/>
+              <a:ea typeface="Meiryo" panose="020B0604030504040204" pitchFamily="34" charset="-128"/>
+              <a:cs typeface="JetBrains Mono" panose="02000009000000000000" pitchFamily="49" charset="0"/>
+            </a:endParaRPr>
+          </a:p>
+          <a:p>
+            <a:pPr algn="ctr"/>
+            <a:br>
+              <a:rPr kumimoji="1" lang="en-US" altLang="ja-JP" sz="2400" dirty="0">
+                <a:solidFill>
+                  <a:schemeClr val="tx1"/>
+                </a:solidFill>
+                <a:latin typeface="Meiryo" panose="020B0604030504040204" pitchFamily="34" charset="-128"/>
+                <a:ea typeface="Meiryo" panose="020B0604030504040204" pitchFamily="34" charset="-128"/>
+                <a:cs typeface="JetBrains Mono" panose="02000009000000000000" pitchFamily="49" charset="0"/>
+              </a:rPr>
+            </a:br>
+            <a:endParaRPr kumimoji="1" lang="ja-JP" altLang="en-US" sz="2400">
+              <a:solidFill>
+                <a:schemeClr val="tx1"/>
+              </a:solidFill>
+              <a:latin typeface="Meiryo" panose="020B0604030504040204" pitchFamily="34" charset="-128"/>
+              <a:ea typeface="Meiryo" panose="020B0604030504040204" pitchFamily="34" charset="-128"/>
+              <a:cs typeface="JetBrains Mono" panose="02000009000000000000" pitchFamily="49" charset="0"/>
+            </a:endParaRPr>
+          </a:p>
+        </p:txBody>
+      </p:sp>
+      <p:sp>
+        <p:nvSpPr>
+          <p:cNvPr id="87" name="角丸四角形 86">
+            <a:extLst>
+              <a:ext uri="{FF2B5EF4-FFF2-40B4-BE49-F238E27FC236}">
+                <a16:creationId xmlns:a16="http://schemas.microsoft.com/office/drawing/2014/main" id="{CE9F026D-0C5F-4A1B-FFFA-930EF5BB394D}"/>
+              </a:ext>
+            </a:extLst>
+          </p:cNvPr>
+          <p:cNvSpPr/>
+          <p:nvPr/>
+        </p:nvSpPr>
+        <p:spPr>
+          <a:xfrm>
+            <a:off x="8376556" y="11398358"/>
+            <a:ext cx="2160000" cy="525290"/>
+          </a:xfrm>
+          <a:prstGeom prst="roundRect">
+            <a:avLst/>
+          </a:prstGeom>
+          <a:solidFill>
+            <a:schemeClr val="accent2">
+              <a:lumMod val="40000"/>
+              <a:lumOff val="60000"/>
+            </a:schemeClr>
+          </a:solidFill>
+          <a:ln>
+            <a:noFill/>
+          </a:ln>
+        </p:spPr>
+        <p:style>
+          <a:lnRef idx="2">
+            <a:schemeClr val="accent1">
+              <a:shade val="15000"/>
+            </a:schemeClr>
+          </a:lnRef>
+          <a:fillRef idx="1">
+            <a:schemeClr val="accent1"/>
+          </a:fillRef>
+          <a:effectRef idx="0">
+            <a:schemeClr val="accent1"/>
+          </a:effectRef>
+          <a:fontRef idx="minor">
+            <a:schemeClr val="lt1"/>
+          </a:fontRef>
+        </p:style>
+        <p:txBody>
+          <a:bodyPr rtlCol="0" anchor="ctr"/>
+          <a:lstStyle/>
+          <a:p>
+            <a:pPr algn="ctr"/>
+            <a:r>
+              <a:rPr kumimoji="1" lang="en-US" altLang="ja-JP" sz="2000" dirty="0">
+                <a:solidFill>
+                  <a:schemeClr val="tx1"/>
+                </a:solidFill>
+                <a:latin typeface="Meiryo" panose="020B0604030504040204" pitchFamily="34" charset="-128"/>
+                <a:ea typeface="Meiryo" panose="020B0604030504040204" pitchFamily="34" charset="-128"/>
+                <a:cs typeface="JetBrains Mono" panose="02000009000000000000" pitchFamily="49" charset="0"/>
+              </a:rPr>
+              <a:t>SSH Proxy</a:t>
+            </a:r>
+            <a:endParaRPr kumimoji="1" lang="ja-JP" altLang="en-US" sz="2000">
+              <a:solidFill>
+                <a:schemeClr val="tx1"/>
+              </a:solidFill>
+              <a:latin typeface="Meiryo" panose="020B0604030504040204" pitchFamily="34" charset="-128"/>
+              <a:ea typeface="Meiryo" panose="020B0604030504040204" pitchFamily="34" charset="-128"/>
+              <a:cs typeface="JetBrains Mono" panose="02000009000000000000" pitchFamily="49" charset="0"/>
+            </a:endParaRPr>
+          </a:p>
+        </p:txBody>
+      </p:sp>
+      <p:sp>
+        <p:nvSpPr>
+          <p:cNvPr id="88" name="角丸四角形 87">
+            <a:extLst>
+              <a:ext uri="{FF2B5EF4-FFF2-40B4-BE49-F238E27FC236}">
+                <a16:creationId xmlns:a16="http://schemas.microsoft.com/office/drawing/2014/main" id="{DE9ED0A1-B370-96C4-3DCE-D593F78CCA7A}"/>
+              </a:ext>
+            </a:extLst>
+          </p:cNvPr>
+          <p:cNvSpPr/>
+          <p:nvPr/>
+        </p:nvSpPr>
+        <p:spPr>
+          <a:xfrm>
+            <a:off x="8376556" y="11997542"/>
+            <a:ext cx="2160000" cy="504952"/>
+          </a:xfrm>
+          <a:prstGeom prst="roundRect">
+            <a:avLst/>
+          </a:prstGeom>
+          <a:solidFill>
+            <a:schemeClr val="accent3">
+              <a:lumMod val="40000"/>
+              <a:lumOff val="60000"/>
+            </a:schemeClr>
+          </a:solidFill>
+          <a:ln>
+            <a:noFill/>
+          </a:ln>
+        </p:spPr>
+        <p:style>
+          <a:lnRef idx="2">
+            <a:schemeClr val="accent1">
+              <a:shade val="15000"/>
+            </a:schemeClr>
+          </a:lnRef>
+          <a:fillRef idx="1">
+            <a:schemeClr val="accent1"/>
+          </a:fillRef>
+          <a:effectRef idx="0">
+            <a:schemeClr val="accent1"/>
+          </a:effectRef>
+          <a:fontRef idx="minor">
+            <a:schemeClr val="lt1"/>
+          </a:fontRef>
+        </p:style>
+        <p:txBody>
+          <a:bodyPr rtlCol="0" anchor="ctr"/>
+          <a:lstStyle/>
+          <a:p>
+            <a:pPr algn="ctr"/>
+            <a:r>
+              <a:rPr kumimoji="1" lang="en-US" altLang="ja-JP" sz="2000" dirty="0">
+                <a:solidFill>
+                  <a:schemeClr val="tx1"/>
+                </a:solidFill>
+                <a:latin typeface="Meiryo" panose="020B0604030504040204" pitchFamily="34" charset="-128"/>
+                <a:ea typeface="Meiryo" panose="020B0604030504040204" pitchFamily="34" charset="-128"/>
+                <a:cs typeface="JetBrains Mono" panose="02000009000000000000" pitchFamily="49" charset="0"/>
+              </a:rPr>
+              <a:t>RDP Proxy</a:t>
+            </a:r>
+            <a:endParaRPr kumimoji="1" lang="ja-JP" altLang="en-US" sz="2000">
+              <a:solidFill>
+                <a:schemeClr val="tx1"/>
+              </a:solidFill>
+              <a:latin typeface="Meiryo" panose="020B0604030504040204" pitchFamily="34" charset="-128"/>
+              <a:ea typeface="Meiryo" panose="020B0604030504040204" pitchFamily="34" charset="-128"/>
+              <a:cs typeface="JetBrains Mono" panose="02000009000000000000" pitchFamily="49" charset="0"/>
+            </a:endParaRPr>
+          </a:p>
+        </p:txBody>
+      </p:sp>
+      <p:pic>
+        <p:nvPicPr>
+          <p:cNvPr id="89" name="Picture 6">
+            <a:extLst>
+              <a:ext uri="{FF2B5EF4-FFF2-40B4-BE49-F238E27FC236}">
+                <a16:creationId xmlns:a16="http://schemas.microsoft.com/office/drawing/2014/main" id="{C9ECB198-8716-2024-A40C-61BF1A9BA979}"/>
+              </a:ext>
+            </a:extLst>
+          </p:cNvPr>
+          <p:cNvPicPr>
+            <a:picLocks noChangeAspect="1" noChangeArrowheads="1"/>
+          </p:cNvPicPr>
+          <p:nvPr/>
+        </p:nvPicPr>
+        <p:blipFill>
+          <a:blip r:embed="rId6">
+            <a:extLst>
+              <a:ext uri="{28A0092B-C50C-407E-A947-70E740481C1C}">
+                <a14:useLocalDpi xmlns:a14="http://schemas.microsoft.com/office/drawing/2010/main" val="0"/>
+              </a:ext>
+            </a:extLst>
+          </a:blip>
+          <a:srcRect/>
+          <a:stretch>
+            <a:fillRect/>
+          </a:stretch>
+        </p:blipFill>
+        <p:spPr bwMode="auto">
+          <a:xfrm>
+            <a:off x="5116193" y="10770318"/>
+            <a:ext cx="1625600" cy="1625600"/>
+          </a:xfrm>
+          <a:prstGeom prst="rect">
+            <a:avLst/>
+          </a:prstGeom>
+          <a:noFill/>
+          <a:extLst>
+            <a:ext uri="{909E8E84-426E-40DD-AFC4-6F175D3DCCD1}">
+              <a14:hiddenFill xmlns:a14="http://schemas.microsoft.com/office/drawing/2010/main">
+                <a:solidFill>
+                  <a:srgbClr val="FFFFFF"/>
+                </a:solidFill>
+              </a14:hiddenFill>
+            </a:ext>
+          </a:extLst>
+        </p:spPr>
+      </p:pic>
+      <p:sp>
+        <p:nvSpPr>
+          <p:cNvPr id="90" name="テキスト ボックス 89">
+            <a:extLst>
+              <a:ext uri="{FF2B5EF4-FFF2-40B4-BE49-F238E27FC236}">
+                <a16:creationId xmlns:a16="http://schemas.microsoft.com/office/drawing/2014/main" id="{953B106B-AB25-DB0B-EC19-E287511716B9}"/>
+              </a:ext>
+            </a:extLst>
+          </p:cNvPr>
+          <p:cNvSpPr txBox="1"/>
+          <p:nvPr/>
+        </p:nvSpPr>
+        <p:spPr>
+          <a:xfrm>
+            <a:off x="5326570" y="12493898"/>
+            <a:ext cx="1204845" cy="400110"/>
+          </a:xfrm>
+          <a:prstGeom prst="rect">
+            <a:avLst/>
+          </a:prstGeom>
+          <a:noFill/>
+        </p:spPr>
+        <p:txBody>
+          <a:bodyPr wrap="square" rtlCol="0">
+            <a:spAutoFit/>
+          </a:bodyPr>
+          <a:lstStyle/>
+          <a:p>
+            <a:pPr algn="ctr"/>
+            <a:r>
+              <a:rPr kumimoji="1" lang="en-US" altLang="ja-JP" sz="2000" dirty="0">
+                <a:latin typeface="Meiryo" panose="020B0604030504040204" pitchFamily="34" charset="-128"/>
+                <a:ea typeface="Meiryo" panose="020B0604030504040204" pitchFamily="34" charset="-128"/>
+                <a:cs typeface="JetBrains Mono" panose="02000009000000000000" pitchFamily="49" charset="0"/>
+              </a:rPr>
+              <a:t>User</a:t>
+            </a:r>
+            <a:endParaRPr kumimoji="1" lang="ja-JP" altLang="en-US" sz="2000">
+              <a:latin typeface="Meiryo" panose="020B0604030504040204" pitchFamily="34" charset="-128"/>
+              <a:ea typeface="Meiryo" panose="020B0604030504040204" pitchFamily="34" charset="-128"/>
+              <a:cs typeface="JetBrains Mono" panose="02000009000000000000" pitchFamily="49" charset="0"/>
+            </a:endParaRPr>
+          </a:p>
+        </p:txBody>
+      </p:sp>
+      <p:cxnSp>
+        <p:nvCxnSpPr>
+          <p:cNvPr id="91" name="直線矢印コネクタ 90">
+            <a:extLst>
+              <a:ext uri="{FF2B5EF4-FFF2-40B4-BE49-F238E27FC236}">
+                <a16:creationId xmlns:a16="http://schemas.microsoft.com/office/drawing/2014/main" id="{1C7F00DA-B150-B60A-81A8-8F6CF85B6318}"/>
+              </a:ext>
+            </a:extLst>
+          </p:cNvPr>
+          <p:cNvCxnSpPr>
+            <a:cxnSpLocks/>
+          </p:cNvCxnSpPr>
+          <p:nvPr/>
+        </p:nvCxnSpPr>
+        <p:spPr>
+          <a:xfrm>
+            <a:off x="6706535" y="11676467"/>
+            <a:ext cx="1209937" cy="0"/>
+          </a:xfrm>
+          <a:prstGeom prst="straightConnector1">
+            <a:avLst/>
+          </a:prstGeom>
+          <a:ln w="76200">
+            <a:solidFill>
+              <a:schemeClr val="accent2"/>
+            </a:solidFill>
+            <a:tailEnd type="triangle"/>
+          </a:ln>
+        </p:spPr>
+        <p:style>
+          <a:lnRef idx="2">
+            <a:schemeClr val="accent1"/>
+          </a:lnRef>
+          <a:fillRef idx="0">
+            <a:schemeClr val="accent1"/>
+          </a:fillRef>
+          <a:effectRef idx="1">
+            <a:schemeClr val="accent1"/>
+          </a:effectRef>
+          <a:fontRef idx="minor">
+            <a:schemeClr val="tx1"/>
+          </a:fontRef>
+        </p:style>
+      </p:cxnSp>
+      <p:sp>
+        <p:nvSpPr>
+          <p:cNvPr id="93" name="テキスト ボックス 92">
+            <a:extLst>
+              <a:ext uri="{FF2B5EF4-FFF2-40B4-BE49-F238E27FC236}">
+                <a16:creationId xmlns:a16="http://schemas.microsoft.com/office/drawing/2014/main" id="{CBDB050E-EA27-BB41-F4B5-6A38F8CCA308}"/>
+              </a:ext>
+            </a:extLst>
+          </p:cNvPr>
+          <p:cNvSpPr txBox="1"/>
+          <p:nvPr/>
+        </p:nvSpPr>
+        <p:spPr>
+          <a:xfrm>
+            <a:off x="6622300" y="11275112"/>
+            <a:ext cx="1204845" cy="338554"/>
+          </a:xfrm>
+          <a:prstGeom prst="rect">
+            <a:avLst/>
+          </a:prstGeom>
+          <a:noFill/>
+        </p:spPr>
+        <p:txBody>
+          <a:bodyPr wrap="square" rtlCol="0">
+            <a:spAutoFit/>
+          </a:bodyPr>
+          <a:lstStyle/>
+          <a:p>
+            <a:pPr algn="ctr"/>
+            <a:r>
+              <a:rPr kumimoji="1" lang="en-US" altLang="ja-JP" sz="1600" dirty="0">
+                <a:latin typeface="Meiryo" panose="020B0604030504040204" pitchFamily="34" charset="-128"/>
+                <a:ea typeface="Meiryo" panose="020B0604030504040204" pitchFamily="34" charset="-128"/>
+                <a:cs typeface="JetBrains Mono" panose="02000009000000000000" pitchFamily="49" charset="0"/>
+              </a:rPr>
+              <a:t>SSH/RDP</a:t>
+            </a:r>
+            <a:endParaRPr kumimoji="1" lang="ja-JP" altLang="en-US" sz="1600">
+              <a:latin typeface="Meiryo" panose="020B0604030504040204" pitchFamily="34" charset="-128"/>
+              <a:ea typeface="Meiryo" panose="020B0604030504040204" pitchFamily="34" charset="-128"/>
+              <a:cs typeface="JetBrains Mono" panose="02000009000000000000" pitchFamily="49" charset="0"/>
+            </a:endParaRPr>
+          </a:p>
+        </p:txBody>
+      </p:sp>
+      <p:cxnSp>
+        <p:nvCxnSpPr>
+          <p:cNvPr id="94" name="直線矢印コネクタ 93">
+            <a:extLst>
+              <a:ext uri="{FF2B5EF4-FFF2-40B4-BE49-F238E27FC236}">
+                <a16:creationId xmlns:a16="http://schemas.microsoft.com/office/drawing/2014/main" id="{2DDACC28-965E-0413-D1EE-EAD2540AF703}"/>
+              </a:ext>
+            </a:extLst>
+          </p:cNvPr>
+          <p:cNvCxnSpPr>
+            <a:cxnSpLocks/>
+          </p:cNvCxnSpPr>
+          <p:nvPr/>
+        </p:nvCxnSpPr>
+        <p:spPr>
+          <a:xfrm>
+            <a:off x="6706535" y="11923648"/>
+            <a:ext cx="1209937" cy="0"/>
+          </a:xfrm>
+          <a:prstGeom prst="straightConnector1">
+            <a:avLst/>
+          </a:prstGeom>
+          <a:ln w="76200">
+            <a:solidFill>
+              <a:schemeClr val="accent6">
+                <a:lumMod val="60000"/>
+                <a:lumOff val="40000"/>
+              </a:schemeClr>
+            </a:solidFill>
+            <a:tailEnd type="triangle"/>
+          </a:ln>
+        </p:spPr>
+        <p:style>
+          <a:lnRef idx="2">
+            <a:schemeClr val="accent1"/>
+          </a:lnRef>
+          <a:fillRef idx="0">
+            <a:schemeClr val="accent1"/>
+          </a:fillRef>
+          <a:effectRef idx="1">
+            <a:schemeClr val="accent1"/>
+          </a:effectRef>
+          <a:fontRef idx="minor">
+            <a:schemeClr val="tx1"/>
+          </a:fontRef>
+        </p:style>
+      </p:cxnSp>
+      <p:sp>
+        <p:nvSpPr>
+          <p:cNvPr id="95" name="角丸四角形 94">
+            <a:extLst>
+              <a:ext uri="{FF2B5EF4-FFF2-40B4-BE49-F238E27FC236}">
+                <a16:creationId xmlns:a16="http://schemas.microsoft.com/office/drawing/2014/main" id="{C2C3BAE8-4A58-984D-458C-7536A51FEA50}"/>
+              </a:ext>
+            </a:extLst>
+          </p:cNvPr>
+          <p:cNvSpPr/>
+          <p:nvPr/>
+        </p:nvSpPr>
+        <p:spPr>
+          <a:xfrm>
+            <a:off x="11554952" y="10509058"/>
+            <a:ext cx="2819354" cy="2303890"/>
+          </a:xfrm>
+          <a:prstGeom prst="roundRect">
+            <a:avLst/>
+          </a:prstGeom>
+          <a:solidFill>
+            <a:schemeClr val="accent5">
+              <a:lumMod val="40000"/>
+              <a:lumOff val="60000"/>
+            </a:schemeClr>
+          </a:solidFill>
+          <a:ln>
+            <a:noFill/>
+          </a:ln>
+        </p:spPr>
+        <p:style>
+          <a:lnRef idx="2">
+            <a:schemeClr val="accent1">
+              <a:shade val="15000"/>
+            </a:schemeClr>
+          </a:lnRef>
+          <a:fillRef idx="1">
+            <a:schemeClr val="accent1"/>
+          </a:fillRef>
+          <a:effectRef idx="0">
+            <a:schemeClr val="accent1"/>
+          </a:effectRef>
+          <a:fontRef idx="minor">
+            <a:schemeClr val="lt1"/>
+          </a:fontRef>
+        </p:style>
+        <p:txBody>
+          <a:bodyPr rtlCol="0" anchor="ctr"/>
+          <a:lstStyle/>
+          <a:p>
+            <a:pPr algn="ctr"/>
+            <a:br>
+              <a:rPr kumimoji="1" lang="en-US" altLang="ja-JP" sz="2400" dirty="0">
+                <a:solidFill>
+                  <a:schemeClr val="tx1"/>
+                </a:solidFill>
+                <a:latin typeface="Meiryo" panose="020B0604030504040204" pitchFamily="34" charset="-128"/>
+                <a:ea typeface="Meiryo" panose="020B0604030504040204" pitchFamily="34" charset="-128"/>
+                <a:cs typeface="JetBrains Mono" panose="02000009000000000000" pitchFamily="49" charset="0"/>
+              </a:rPr>
+            </a:br>
+            <a:r>
+              <a:rPr kumimoji="1" lang="en-US" altLang="ja-JP" sz="2400" dirty="0">
+                <a:solidFill>
+                  <a:schemeClr val="tx1"/>
+                </a:solidFill>
+                <a:latin typeface="Meiryo" panose="020B0604030504040204" pitchFamily="34" charset="-128"/>
+                <a:ea typeface="Meiryo" panose="020B0604030504040204" pitchFamily="34" charset="-128"/>
+                <a:cs typeface="JetBrains Mono" panose="02000009000000000000" pitchFamily="49" charset="0"/>
+              </a:rPr>
+              <a:t>Controller</a:t>
+            </a:r>
+          </a:p>
+          <a:p>
+            <a:pPr algn="ctr"/>
+            <a:br>
+              <a:rPr kumimoji="1" lang="en-US" altLang="ja-JP" dirty="0">
+                <a:solidFill>
+                  <a:schemeClr val="tx1"/>
+                </a:solidFill>
+                <a:latin typeface="Meiryo" panose="020B0604030504040204" pitchFamily="34" charset="-128"/>
+                <a:ea typeface="Meiryo" panose="020B0604030504040204" pitchFamily="34" charset="-128"/>
+                <a:cs typeface="JetBrains Mono" panose="02000009000000000000" pitchFamily="49" charset="0"/>
+              </a:rPr>
+            </a:br>
+            <a:r>
+              <a:rPr kumimoji="1" lang="ja-JP" altLang="en-US">
+                <a:solidFill>
+                  <a:schemeClr val="tx1"/>
+                </a:solidFill>
+                <a:latin typeface="Meiryo" panose="020B0604030504040204" pitchFamily="34" charset="-128"/>
+                <a:ea typeface="Meiryo" panose="020B0604030504040204" pitchFamily="34" charset="-128"/>
+                <a:cs typeface="JetBrains Mono" panose="02000009000000000000" pitchFamily="49" charset="0"/>
+              </a:rPr>
+              <a:t>要求された環境を</a:t>
+            </a:r>
+            <a:r>
+              <a:rPr kumimoji="1" lang="en-US" altLang="ja-JP" dirty="0">
+                <a:solidFill>
+                  <a:schemeClr val="tx1"/>
+                </a:solidFill>
+                <a:latin typeface="Meiryo" panose="020B0604030504040204" pitchFamily="34" charset="-128"/>
+                <a:ea typeface="Meiryo" panose="020B0604030504040204" pitchFamily="34" charset="-128"/>
+                <a:cs typeface="JetBrains Mono" panose="02000009000000000000" pitchFamily="49" charset="0"/>
+              </a:rPr>
+              <a:t>Backend</a:t>
+            </a:r>
+            <a:r>
+              <a:rPr kumimoji="1" lang="ja-JP" altLang="en-US">
+                <a:solidFill>
+                  <a:schemeClr val="tx1"/>
+                </a:solidFill>
+                <a:latin typeface="Meiryo" panose="020B0604030504040204" pitchFamily="34" charset="-128"/>
+                <a:ea typeface="Meiryo" panose="020B0604030504040204" pitchFamily="34" charset="-128"/>
+                <a:cs typeface="JetBrains Mono" panose="02000009000000000000" pitchFamily="49" charset="0"/>
+              </a:rPr>
+              <a:t>を</a:t>
+            </a:r>
+            <a:endParaRPr kumimoji="1" lang="en-US" altLang="ja-JP" dirty="0">
+              <a:solidFill>
+                <a:schemeClr val="tx1"/>
+              </a:solidFill>
+              <a:latin typeface="Meiryo" panose="020B0604030504040204" pitchFamily="34" charset="-128"/>
+              <a:ea typeface="Meiryo" panose="020B0604030504040204" pitchFamily="34" charset="-128"/>
+              <a:cs typeface="JetBrains Mono" panose="02000009000000000000" pitchFamily="49" charset="0"/>
+            </a:endParaRPr>
+          </a:p>
+          <a:p>
+            <a:pPr algn="ctr"/>
+            <a:r>
+              <a:rPr kumimoji="1" lang="ja-JP" altLang="en-US">
+                <a:solidFill>
+                  <a:schemeClr val="tx1"/>
+                </a:solidFill>
+                <a:latin typeface="Meiryo" panose="020B0604030504040204" pitchFamily="34" charset="-128"/>
+                <a:ea typeface="Meiryo" panose="020B0604030504040204" pitchFamily="34" charset="-128"/>
+                <a:cs typeface="JetBrains Mono" panose="02000009000000000000" pitchFamily="49" charset="0"/>
+              </a:rPr>
+              <a:t>呼び出して提供</a:t>
+            </a:r>
+            <a:br>
+              <a:rPr kumimoji="1" lang="en-US" altLang="ja-JP" sz="2400" dirty="0">
+                <a:solidFill>
+                  <a:schemeClr val="tx1"/>
+                </a:solidFill>
+                <a:latin typeface="Meiryo" panose="020B0604030504040204" pitchFamily="34" charset="-128"/>
+                <a:ea typeface="Meiryo" panose="020B0604030504040204" pitchFamily="34" charset="-128"/>
+                <a:cs typeface="JetBrains Mono" panose="02000009000000000000" pitchFamily="49" charset="0"/>
+              </a:rPr>
+            </a:br>
+            <a:endParaRPr kumimoji="1" lang="ja-JP" altLang="en-US" sz="2400">
+              <a:solidFill>
+                <a:schemeClr val="tx1"/>
+              </a:solidFill>
+              <a:latin typeface="Meiryo" panose="020B0604030504040204" pitchFamily="34" charset="-128"/>
+              <a:ea typeface="Meiryo" panose="020B0604030504040204" pitchFamily="34" charset="-128"/>
+              <a:cs typeface="JetBrains Mono" panose="02000009000000000000" pitchFamily="49" charset="0"/>
+            </a:endParaRPr>
+          </a:p>
+        </p:txBody>
+      </p:sp>
+      <p:cxnSp>
+        <p:nvCxnSpPr>
+          <p:cNvPr id="96" name="直線矢印コネクタ 95">
+            <a:extLst>
+              <a:ext uri="{FF2B5EF4-FFF2-40B4-BE49-F238E27FC236}">
+                <a16:creationId xmlns:a16="http://schemas.microsoft.com/office/drawing/2014/main" id="{F11DEEA3-FB37-6A74-85FD-581B41647796}"/>
+              </a:ext>
+            </a:extLst>
+          </p:cNvPr>
+          <p:cNvCxnSpPr>
+            <a:cxnSpLocks/>
+          </p:cNvCxnSpPr>
+          <p:nvPr/>
+        </p:nvCxnSpPr>
+        <p:spPr>
+          <a:xfrm>
+            <a:off x="10811338" y="11781366"/>
+            <a:ext cx="743614" cy="0"/>
+          </a:xfrm>
+          <a:prstGeom prst="straightConnector1">
+            <a:avLst/>
+          </a:prstGeom>
+          <a:ln w="76200">
+            <a:solidFill>
+              <a:schemeClr val="accent2"/>
+            </a:solidFill>
+            <a:headEnd type="triangle" w="med" len="med"/>
+            <a:tailEnd type="triangle" w="med" len="med"/>
+          </a:ln>
+        </p:spPr>
+        <p:style>
+          <a:lnRef idx="2">
+            <a:schemeClr val="accent1"/>
+          </a:lnRef>
+          <a:fillRef idx="0">
+            <a:schemeClr val="accent1"/>
+          </a:fillRef>
+          <a:effectRef idx="1">
+            <a:schemeClr val="accent1"/>
+          </a:effectRef>
+          <a:fontRef idx="minor">
+            <a:schemeClr val="tx1"/>
+          </a:fontRef>
+        </p:style>
+      </p:cxnSp>
+      <p:cxnSp>
+        <p:nvCxnSpPr>
+          <p:cNvPr id="102" name="直線矢印コネクタ 101">
+            <a:extLst>
+              <a:ext uri="{FF2B5EF4-FFF2-40B4-BE49-F238E27FC236}">
+                <a16:creationId xmlns:a16="http://schemas.microsoft.com/office/drawing/2014/main" id="{B1F81FBE-3B73-04FE-8584-66FA5E73FEC5}"/>
+              </a:ext>
+            </a:extLst>
+          </p:cNvPr>
+          <p:cNvCxnSpPr>
+            <a:cxnSpLocks/>
+          </p:cNvCxnSpPr>
+          <p:nvPr/>
+        </p:nvCxnSpPr>
+        <p:spPr>
+          <a:xfrm>
+            <a:off x="14363456" y="11781366"/>
+            <a:ext cx="743614" cy="0"/>
+          </a:xfrm>
+          <a:prstGeom prst="straightConnector1">
+            <a:avLst/>
+          </a:prstGeom>
+          <a:ln w="76200">
+            <a:solidFill>
+              <a:schemeClr val="accent2"/>
+            </a:solidFill>
+            <a:headEnd type="triangle" w="med" len="med"/>
+            <a:tailEnd type="triangle" w="med" len="med"/>
+          </a:ln>
+        </p:spPr>
+        <p:style>
+          <a:lnRef idx="2">
+            <a:schemeClr val="accent1"/>
+          </a:lnRef>
+          <a:fillRef idx="0">
+            <a:schemeClr val="accent1"/>
+          </a:fillRef>
+          <a:effectRef idx="1">
+            <a:schemeClr val="accent1"/>
+          </a:effectRef>
+          <a:fontRef idx="minor">
+            <a:schemeClr val="tx1"/>
+          </a:fontRef>
+        </p:style>
+      </p:cxnSp>
+      <p:sp>
+        <p:nvSpPr>
+          <p:cNvPr id="103" name="角丸四角形 102">
+            <a:extLst>
+              <a:ext uri="{FF2B5EF4-FFF2-40B4-BE49-F238E27FC236}">
+                <a16:creationId xmlns:a16="http://schemas.microsoft.com/office/drawing/2014/main" id="{A2ABF126-0D89-1527-36F4-57DAF71C17DB}"/>
+              </a:ext>
+            </a:extLst>
+          </p:cNvPr>
+          <p:cNvSpPr/>
+          <p:nvPr/>
+        </p:nvSpPr>
+        <p:spPr>
+          <a:xfrm>
+            <a:off x="15103034" y="10509058"/>
+            <a:ext cx="2819354" cy="2303890"/>
+          </a:xfrm>
+          <a:prstGeom prst="roundRect">
+            <a:avLst/>
+          </a:prstGeom>
+          <a:solidFill>
+            <a:schemeClr val="accent6">
+              <a:lumMod val="40000"/>
+              <a:lumOff val="60000"/>
+            </a:schemeClr>
+          </a:solidFill>
+          <a:ln>
+            <a:noFill/>
+          </a:ln>
+        </p:spPr>
+        <p:style>
+          <a:lnRef idx="2">
+            <a:schemeClr val="accent1">
+              <a:shade val="15000"/>
+            </a:schemeClr>
+          </a:lnRef>
+          <a:fillRef idx="1">
+            <a:schemeClr val="accent1"/>
+          </a:fillRef>
+          <a:effectRef idx="0">
+            <a:schemeClr val="accent1"/>
+          </a:effectRef>
+          <a:fontRef idx="minor">
+            <a:schemeClr val="lt1"/>
+          </a:fontRef>
+        </p:style>
+        <p:txBody>
+          <a:bodyPr rtlCol="0" anchor="ctr"/>
+          <a:lstStyle/>
+          <a:p>
+            <a:pPr algn="ctr"/>
+            <a:br>
+              <a:rPr kumimoji="1" lang="en-US" altLang="ja-JP" sz="2400" dirty="0">
+                <a:solidFill>
+                  <a:schemeClr val="tx1"/>
+                </a:solidFill>
+                <a:latin typeface="Meiryo" panose="020B0604030504040204" pitchFamily="34" charset="-128"/>
+                <a:ea typeface="Meiryo" panose="020B0604030504040204" pitchFamily="34" charset="-128"/>
+                <a:cs typeface="JetBrains Mono" panose="02000009000000000000" pitchFamily="49" charset="0"/>
+              </a:rPr>
+            </a:br>
+            <a:r>
+              <a:rPr kumimoji="1" lang="en-US" altLang="ja-JP" sz="2400" dirty="0">
+                <a:solidFill>
+                  <a:schemeClr val="tx1"/>
+                </a:solidFill>
+                <a:latin typeface="Meiryo" panose="020B0604030504040204" pitchFamily="34" charset="-128"/>
+                <a:ea typeface="Meiryo" panose="020B0604030504040204" pitchFamily="34" charset="-128"/>
+                <a:cs typeface="JetBrains Mono" panose="02000009000000000000" pitchFamily="49" charset="0"/>
+              </a:rPr>
+              <a:t>Backend</a:t>
+            </a:r>
+          </a:p>
+          <a:p>
+            <a:pPr algn="ctr"/>
+            <a:br>
+              <a:rPr kumimoji="1" lang="en-US" altLang="ja-JP" dirty="0">
+                <a:solidFill>
+                  <a:schemeClr val="tx1"/>
+                </a:solidFill>
+                <a:latin typeface="Meiryo" panose="020B0604030504040204" pitchFamily="34" charset="-128"/>
+                <a:ea typeface="Meiryo" panose="020B0604030504040204" pitchFamily="34" charset="-128"/>
+                <a:cs typeface="JetBrains Mono" panose="02000009000000000000" pitchFamily="49" charset="0"/>
+              </a:rPr>
+            </a:br>
+            <a:endParaRPr kumimoji="1" lang="en-US" altLang="ja-JP" dirty="0">
+              <a:solidFill>
+                <a:schemeClr val="tx1"/>
+              </a:solidFill>
+              <a:latin typeface="Meiryo" panose="020B0604030504040204" pitchFamily="34" charset="-128"/>
+              <a:ea typeface="Meiryo" panose="020B0604030504040204" pitchFamily="34" charset="-128"/>
+              <a:cs typeface="JetBrains Mono" panose="02000009000000000000" pitchFamily="49" charset="0"/>
+            </a:endParaRPr>
+          </a:p>
+          <a:p>
+            <a:pPr algn="ctr"/>
+            <a:endParaRPr kumimoji="1" lang="en-US" altLang="ja-JP" sz="2400" dirty="0">
+              <a:solidFill>
+                <a:schemeClr val="tx1"/>
+              </a:solidFill>
+              <a:latin typeface="Meiryo" panose="020B0604030504040204" pitchFamily="34" charset="-128"/>
+              <a:ea typeface="Meiryo" panose="020B0604030504040204" pitchFamily="34" charset="-128"/>
+              <a:cs typeface="JetBrains Mono" panose="02000009000000000000" pitchFamily="49" charset="0"/>
+            </a:endParaRPr>
+          </a:p>
+          <a:p>
+            <a:pPr algn="ctr"/>
+            <a:br>
+              <a:rPr kumimoji="1" lang="en-US" altLang="ja-JP" sz="2400" dirty="0">
+                <a:solidFill>
+                  <a:schemeClr val="tx1"/>
+                </a:solidFill>
+                <a:latin typeface="Meiryo" panose="020B0604030504040204" pitchFamily="34" charset="-128"/>
+                <a:ea typeface="Meiryo" panose="020B0604030504040204" pitchFamily="34" charset="-128"/>
+                <a:cs typeface="JetBrains Mono" panose="02000009000000000000" pitchFamily="49" charset="0"/>
+              </a:rPr>
+            </a:br>
+            <a:endParaRPr kumimoji="1" lang="ja-JP" altLang="en-US" sz="2400">
+              <a:solidFill>
+                <a:schemeClr val="tx1"/>
+              </a:solidFill>
+              <a:latin typeface="Meiryo" panose="020B0604030504040204" pitchFamily="34" charset="-128"/>
+              <a:ea typeface="Meiryo" panose="020B0604030504040204" pitchFamily="34" charset="-128"/>
+              <a:cs typeface="JetBrains Mono" panose="02000009000000000000" pitchFamily="49" charset="0"/>
+            </a:endParaRPr>
+          </a:p>
+        </p:txBody>
+      </p:sp>
+      <p:pic>
+        <p:nvPicPr>
+          <p:cNvPr id="104" name="Picture 12" descr="kubernetes&quot; Icon - Download for free – Iconduck">
+            <a:extLst>
+              <a:ext uri="{FF2B5EF4-FFF2-40B4-BE49-F238E27FC236}">
+                <a16:creationId xmlns:a16="http://schemas.microsoft.com/office/drawing/2014/main" id="{329D2723-77AA-106B-AD77-46EADC99B528}"/>
+              </a:ext>
+            </a:extLst>
+          </p:cNvPr>
+          <p:cNvPicPr>
+            <a:picLocks noChangeAspect="1" noChangeArrowheads="1"/>
+          </p:cNvPicPr>
+          <p:nvPr/>
+        </p:nvPicPr>
+        <p:blipFill>
+          <a:blip r:embed="rId8">
+            <a:extLst>
+              <a:ext uri="{28A0092B-C50C-407E-A947-70E740481C1C}">
+                <a14:useLocalDpi xmlns:a14="http://schemas.microsoft.com/office/drawing/2010/main" val="0"/>
+              </a:ext>
+            </a:extLst>
+          </a:blip>
+          <a:srcRect/>
+          <a:stretch>
+            <a:fillRect/>
+          </a:stretch>
+        </p:blipFill>
+        <p:spPr bwMode="auto">
+          <a:xfrm>
+            <a:off x="15404996" y="11307544"/>
+            <a:ext cx="779898" cy="759691"/>
+          </a:xfrm>
+          <a:prstGeom prst="rect">
+            <a:avLst/>
+          </a:prstGeom>
+          <a:noFill/>
+          <a:extLst>
+            <a:ext uri="{909E8E84-426E-40DD-AFC4-6F175D3DCCD1}">
+              <a14:hiddenFill xmlns:a14="http://schemas.microsoft.com/office/drawing/2010/main">
+                <a:solidFill>
+                  <a:srgbClr val="FFFFFF"/>
+                </a:solidFill>
+              </a14:hiddenFill>
+            </a:ext>
+          </a:extLst>
+        </p:spPr>
+      </p:pic>
+      <p:sp>
+        <p:nvSpPr>
+          <p:cNvPr id="105" name="テキスト ボックス 104">
+            <a:extLst>
+              <a:ext uri="{FF2B5EF4-FFF2-40B4-BE49-F238E27FC236}">
+                <a16:creationId xmlns:a16="http://schemas.microsoft.com/office/drawing/2014/main" id="{602C2057-4A3A-9B1C-2E2E-7425B4C9C84A}"/>
+              </a:ext>
+            </a:extLst>
+          </p:cNvPr>
+          <p:cNvSpPr txBox="1"/>
+          <p:nvPr/>
+        </p:nvSpPr>
+        <p:spPr>
+          <a:xfrm>
+            <a:off x="15103034" y="12095123"/>
+            <a:ext cx="1437017" cy="338554"/>
+          </a:xfrm>
+          <a:prstGeom prst="rect">
+            <a:avLst/>
+          </a:prstGeom>
+          <a:noFill/>
+        </p:spPr>
+        <p:txBody>
+          <a:bodyPr wrap="square" rtlCol="0">
+            <a:spAutoFit/>
+          </a:bodyPr>
+          <a:lstStyle/>
+          <a:p>
+            <a:pPr algn="ctr"/>
+            <a:r>
+              <a:rPr kumimoji="1" lang="en-US" altLang="ja-JP" sz="1600" b="1" dirty="0">
+                <a:latin typeface="Meiryo" panose="020B0604030504040204" pitchFamily="34" charset="-128"/>
+                <a:ea typeface="Meiryo" panose="020B0604030504040204" pitchFamily="34" charset="-128"/>
+                <a:cs typeface="JetBrains Mono" panose="02000009000000000000" pitchFamily="49" charset="0"/>
+              </a:rPr>
+              <a:t>Kubernetes</a:t>
+            </a:r>
+            <a:endParaRPr kumimoji="1" lang="ja-JP" altLang="en-US" sz="1600" b="1">
+              <a:latin typeface="Meiryo" panose="020B0604030504040204" pitchFamily="34" charset="-128"/>
+              <a:ea typeface="Meiryo" panose="020B0604030504040204" pitchFamily="34" charset="-128"/>
+              <a:cs typeface="JetBrains Mono" panose="02000009000000000000" pitchFamily="49" charset="0"/>
+            </a:endParaRPr>
+          </a:p>
+        </p:txBody>
+      </p:sp>
+      <p:pic>
+        <p:nvPicPr>
+          <p:cNvPr id="107" name="グラフィックス 106">
+            <a:extLst>
+              <a:ext uri="{FF2B5EF4-FFF2-40B4-BE49-F238E27FC236}">
+                <a16:creationId xmlns:a16="http://schemas.microsoft.com/office/drawing/2014/main" id="{25ECE4C4-CE18-2130-3FE2-FAC5A9B883A7}"/>
+              </a:ext>
+            </a:extLst>
+          </p:cNvPr>
+          <p:cNvPicPr>
+            <a:picLocks noChangeAspect="1"/>
+          </p:cNvPicPr>
+          <p:nvPr/>
+        </p:nvPicPr>
+        <p:blipFill>
+          <a:blip r:embed="rId13">
+            <a:extLst>
+              <a:ext uri="{96DAC541-7B7A-43D3-8B79-37D633B846F1}">
+                <asvg:svgBlip xmlns:asvg="http://schemas.microsoft.com/office/drawing/2016/SVG/main" r:embed="rId14"/>
+              </a:ext>
+            </a:extLst>
+          </a:blip>
+          <a:stretch>
+            <a:fillRect/>
+          </a:stretch>
+        </p:blipFill>
+        <p:spPr>
+          <a:xfrm>
+            <a:off x="16597955" y="11396304"/>
+            <a:ext cx="1169710" cy="1004962"/>
+          </a:xfrm>
+          <a:prstGeom prst="rect">
+            <a:avLst/>
+          </a:prstGeom>
+        </p:spPr>
+      </p:pic>
     </p:spTree>
     <p:extLst>
       <p:ext uri="{BB962C8B-B14F-4D97-AF65-F5344CB8AC3E}">
